--- a/Final Project PBI KF/Final Task_Kimia Farma_Big Data Analytics_Wildan Nasrulloh R.pptx
+++ b/Final Project PBI KF/Final Task_Kimia Farma_Big Data Analytics_Wildan Nasrulloh R.pptx
@@ -318,7 +318,7 @@
       </p15:sldGuideLst>
     </p:ext>
     <p:ext uri="GoogleSlidesCustomDataVersion2">
-      <go:slidesCustomData xmlns:go="http://customooxmlschemas.google.com/" r:id="rId48" roundtripDataSignature="AMtx7mg9cnLaSLj6eeGL4g3A0cS5ZpxdmA=="/>
+      <go:slidesCustomData xmlns:go="http://customooxmlschemas.google.com/" r:id="rId48" roundtripDataSignature="AMtx7mju7kS47oqPmE3HaMBrxCw98mxk3g=="/>
     </p:ext>
   </p:extLst>
 </p:presentation>
@@ -1007,7 +1007,7 @@
   <p:cSld>
     <p:spTree>
       <p:nvGrpSpPr>
-        <p:cNvPr id="165" name="Shape 165"/>
+        <p:cNvPr id="166" name="Shape 166"/>
         <p:cNvGrpSpPr/>
         <p:nvPr/>
       </p:nvGrpSpPr>
@@ -1021,7 +1021,7 @@
       </p:grpSpPr>
       <p:sp>
         <p:nvSpPr>
-          <p:cNvPr id="166" name="Google Shape;166;g23ec2985a68_1_49:notes"/>
+          <p:cNvPr id="167" name="Google Shape;167;g23ec2985a68_1_49:notes"/>
           <p:cNvSpPr/>
           <p:nvPr>
             <p:ph idx="2" type="sldImg"/>
@@ -1066,7 +1066,7 @@
       </p:sp>
       <p:sp>
         <p:nvSpPr>
-          <p:cNvPr id="167" name="Google Shape;167;g23ec2985a68_1_49:notes"/>
+          <p:cNvPr id="168" name="Google Shape;168;g23ec2985a68_1_49:notes"/>
           <p:cNvSpPr txBox="1"/>
           <p:nvPr>
             <p:ph idx="1" type="body"/>
@@ -1124,7 +1124,7 @@
   <p:cSld>
     <p:spTree>
       <p:nvGrpSpPr>
-        <p:cNvPr id="176" name="Shape 176"/>
+        <p:cNvPr id="177" name="Shape 177"/>
         <p:cNvGrpSpPr/>
         <p:nvPr/>
       </p:nvGrpSpPr>
@@ -1138,7 +1138,7 @@
       </p:grpSpPr>
       <p:sp>
         <p:nvSpPr>
-          <p:cNvPr id="177" name="Google Shape;177;g3439c1feabf_0_26:notes"/>
+          <p:cNvPr id="178" name="Google Shape;178;g3439c1feabf_0_26:notes"/>
           <p:cNvSpPr/>
           <p:nvPr>
             <p:ph idx="2" type="sldImg"/>
@@ -1183,7 +1183,7 @@
       </p:sp>
       <p:sp>
         <p:nvSpPr>
-          <p:cNvPr id="178" name="Google Shape;178;g3439c1feabf_0_26:notes"/>
+          <p:cNvPr id="179" name="Google Shape;179;g3439c1feabf_0_26:notes"/>
           <p:cNvSpPr txBox="1"/>
           <p:nvPr>
             <p:ph idx="1" type="body"/>
@@ -1241,7 +1241,7 @@
   <p:cSld>
     <p:spTree>
       <p:nvGrpSpPr>
-        <p:cNvPr id="186" name="Shape 186"/>
+        <p:cNvPr id="187" name="Shape 187"/>
         <p:cNvGrpSpPr/>
         <p:nvPr/>
       </p:nvGrpSpPr>
@@ -1255,7 +1255,7 @@
       </p:grpSpPr>
       <p:sp>
         <p:nvSpPr>
-          <p:cNvPr id="187" name="Google Shape;187;g23ec2985a68_1_56:notes"/>
+          <p:cNvPr id="188" name="Google Shape;188;g23ec2985a68_1_56:notes"/>
           <p:cNvSpPr/>
           <p:nvPr>
             <p:ph idx="2" type="sldImg"/>
@@ -1300,7 +1300,7 @@
       </p:sp>
       <p:sp>
         <p:nvSpPr>
-          <p:cNvPr id="188" name="Google Shape;188;g23ec2985a68_1_56:notes"/>
+          <p:cNvPr id="189" name="Google Shape;189;g23ec2985a68_1_56:notes"/>
           <p:cNvSpPr txBox="1"/>
           <p:nvPr>
             <p:ph idx="1" type="body"/>
@@ -1358,7 +1358,7 @@
   <p:cSld>
     <p:spTree>
       <p:nvGrpSpPr>
-        <p:cNvPr id="195" name="Shape 195"/>
+        <p:cNvPr id="196" name="Shape 196"/>
         <p:cNvGrpSpPr/>
         <p:nvPr/>
       </p:nvGrpSpPr>
@@ -1372,7 +1372,7 @@
       </p:grpSpPr>
       <p:sp>
         <p:nvSpPr>
-          <p:cNvPr id="196" name="Google Shape;196;g3439c1feabf_0_40:notes"/>
+          <p:cNvPr id="197" name="Google Shape;197;g3439c1feabf_0_40:notes"/>
           <p:cNvSpPr/>
           <p:nvPr>
             <p:ph idx="2" type="sldImg"/>
@@ -1417,7 +1417,7 @@
       </p:sp>
       <p:sp>
         <p:nvSpPr>
-          <p:cNvPr id="197" name="Google Shape;197;g3439c1feabf_0_40:notes"/>
+          <p:cNvPr id="198" name="Google Shape;198;g3439c1feabf_0_40:notes"/>
           <p:cNvSpPr txBox="1"/>
           <p:nvPr>
             <p:ph idx="1" type="body"/>
@@ -1475,7 +1475,7 @@
   <p:cSld>
     <p:spTree>
       <p:nvGrpSpPr>
-        <p:cNvPr id="204" name="Shape 204"/>
+        <p:cNvPr id="205" name="Shape 205"/>
         <p:cNvGrpSpPr/>
         <p:nvPr/>
       </p:nvGrpSpPr>
@@ -1489,7 +1489,7 @@
       </p:grpSpPr>
       <p:sp>
         <p:nvSpPr>
-          <p:cNvPr id="205" name="Google Shape;205;g345d0b494d1_0_0:notes"/>
+          <p:cNvPr id="206" name="Google Shape;206;g345d0b494d1_0_0:notes"/>
           <p:cNvSpPr/>
           <p:nvPr>
             <p:ph idx="2" type="sldImg"/>
@@ -1534,7 +1534,7 @@
       </p:sp>
       <p:sp>
         <p:nvSpPr>
-          <p:cNvPr id="206" name="Google Shape;206;g345d0b494d1_0_0:notes"/>
+          <p:cNvPr id="207" name="Google Shape;207;g345d0b494d1_0_0:notes"/>
           <p:cNvSpPr txBox="1"/>
           <p:nvPr>
             <p:ph idx="1" type="body"/>
@@ -1592,7 +1592,7 @@
   <p:cSld>
     <p:spTree>
       <p:nvGrpSpPr>
-        <p:cNvPr id="213" name="Shape 213"/>
+        <p:cNvPr id="214" name="Shape 214"/>
         <p:cNvGrpSpPr/>
         <p:nvPr/>
       </p:nvGrpSpPr>
@@ -1606,7 +1606,7 @@
       </p:grpSpPr>
       <p:sp>
         <p:nvSpPr>
-          <p:cNvPr id="214" name="Google Shape;214;g345d0b494d1_0_12:notes"/>
+          <p:cNvPr id="215" name="Google Shape;215;g345d0b494d1_0_12:notes"/>
           <p:cNvSpPr/>
           <p:nvPr>
             <p:ph idx="2" type="sldImg"/>
@@ -1651,7 +1651,7 @@
       </p:sp>
       <p:sp>
         <p:nvSpPr>
-          <p:cNvPr id="215" name="Google Shape;215;g345d0b494d1_0_12:notes"/>
+          <p:cNvPr id="216" name="Google Shape;216;g345d0b494d1_0_12:notes"/>
           <p:cNvSpPr txBox="1"/>
           <p:nvPr>
             <p:ph idx="1" type="body"/>
@@ -1709,7 +1709,7 @@
   <p:cSld>
     <p:spTree>
       <p:nvGrpSpPr>
-        <p:cNvPr id="222" name="Shape 222"/>
+        <p:cNvPr id="223" name="Shape 223"/>
         <p:cNvGrpSpPr/>
         <p:nvPr/>
       </p:nvGrpSpPr>
@@ -1723,7 +1723,7 @@
       </p:grpSpPr>
       <p:sp>
         <p:nvSpPr>
-          <p:cNvPr id="223" name="Google Shape;223;g345d0b494d1_0_24:notes"/>
+          <p:cNvPr id="224" name="Google Shape;224;g345d0b494d1_0_24:notes"/>
           <p:cNvSpPr/>
           <p:nvPr>
             <p:ph idx="2" type="sldImg"/>
@@ -1768,7 +1768,7 @@
       </p:sp>
       <p:sp>
         <p:nvSpPr>
-          <p:cNvPr id="224" name="Google Shape;224;g345d0b494d1_0_24:notes"/>
+          <p:cNvPr id="225" name="Google Shape;225;g345d0b494d1_0_24:notes"/>
           <p:cNvSpPr txBox="1"/>
           <p:nvPr>
             <p:ph idx="1" type="body"/>
@@ -1826,7 +1826,7 @@
   <p:cSld>
     <p:spTree>
       <p:nvGrpSpPr>
-        <p:cNvPr id="231" name="Shape 231"/>
+        <p:cNvPr id="232" name="Shape 232"/>
         <p:cNvGrpSpPr/>
         <p:nvPr/>
       </p:nvGrpSpPr>
@@ -1840,7 +1840,7 @@
       </p:grpSpPr>
       <p:sp>
         <p:nvSpPr>
-          <p:cNvPr id="232" name="Google Shape;232;g345d0b494d1_0_35:notes"/>
+          <p:cNvPr id="233" name="Google Shape;233;g345d0b494d1_0_35:notes"/>
           <p:cNvSpPr/>
           <p:nvPr>
             <p:ph idx="2" type="sldImg"/>
@@ -1885,7 +1885,7 @@
       </p:sp>
       <p:sp>
         <p:nvSpPr>
-          <p:cNvPr id="233" name="Google Shape;233;g345d0b494d1_0_35:notes"/>
+          <p:cNvPr id="234" name="Google Shape;234;g345d0b494d1_0_35:notes"/>
           <p:cNvSpPr txBox="1"/>
           <p:nvPr>
             <p:ph idx="1" type="body"/>
@@ -1943,7 +1943,7 @@
   <p:cSld>
     <p:spTree>
       <p:nvGrpSpPr>
-        <p:cNvPr id="240" name="Shape 240"/>
+        <p:cNvPr id="241" name="Shape 241"/>
         <p:cNvGrpSpPr/>
         <p:nvPr/>
       </p:nvGrpSpPr>
@@ -1957,7 +1957,7 @@
       </p:grpSpPr>
       <p:sp>
         <p:nvSpPr>
-          <p:cNvPr id="241" name="Google Shape;241;p8:notes"/>
+          <p:cNvPr id="242" name="Google Shape;242;p8:notes"/>
           <p:cNvSpPr/>
           <p:nvPr>
             <p:ph idx="2" type="sldImg"/>
@@ -2002,7 +2002,7 @@
       </p:sp>
       <p:sp>
         <p:nvSpPr>
-          <p:cNvPr id="242" name="Google Shape;242;p8:notes"/>
+          <p:cNvPr id="243" name="Google Shape;243;p8:notes"/>
           <p:cNvSpPr txBox="1"/>
           <p:nvPr>
             <p:ph idx="1" type="body"/>
@@ -2177,7 +2177,7 @@
   <p:cSld>
     <p:spTree>
       <p:nvGrpSpPr>
-        <p:cNvPr id="81" name="Shape 81"/>
+        <p:cNvPr id="82" name="Shape 82"/>
         <p:cNvGrpSpPr/>
         <p:nvPr/>
       </p:nvGrpSpPr>
@@ -2191,7 +2191,7 @@
       </p:grpSpPr>
       <p:sp>
         <p:nvSpPr>
-          <p:cNvPr id="82" name="Google Shape;82;p4:notes"/>
+          <p:cNvPr id="83" name="Google Shape;83;p4:notes"/>
           <p:cNvSpPr/>
           <p:nvPr>
             <p:ph idx="2" type="sldImg"/>
@@ -2236,7 +2236,7 @@
       </p:sp>
       <p:sp>
         <p:nvSpPr>
-          <p:cNvPr id="83" name="Google Shape;83;p4:notes"/>
+          <p:cNvPr id="84" name="Google Shape;84;p4:notes"/>
           <p:cNvSpPr txBox="1"/>
           <p:nvPr>
             <p:ph idx="1" type="body"/>
@@ -2294,7 +2294,7 @@
   <p:cSld>
     <p:spTree>
       <p:nvGrpSpPr>
-        <p:cNvPr id="91" name="Shape 91"/>
+        <p:cNvPr id="92" name="Shape 92"/>
         <p:cNvGrpSpPr/>
         <p:nvPr/>
       </p:nvGrpSpPr>
@@ -2308,7 +2308,7 @@
       </p:grpSpPr>
       <p:sp>
         <p:nvSpPr>
-          <p:cNvPr id="92" name="Google Shape;92;g265ee868302_0_99:notes"/>
+          <p:cNvPr id="93" name="Google Shape;93;g265ee868302_0_99:notes"/>
           <p:cNvSpPr/>
           <p:nvPr>
             <p:ph idx="2" type="sldImg"/>
@@ -2353,7 +2353,7 @@
       </p:sp>
       <p:sp>
         <p:nvSpPr>
-          <p:cNvPr id="93" name="Google Shape;93;g265ee868302_0_99:notes"/>
+          <p:cNvPr id="94" name="Google Shape;94;g265ee868302_0_99:notes"/>
           <p:cNvSpPr txBox="1"/>
           <p:nvPr>
             <p:ph idx="1" type="body"/>
@@ -2411,7 +2411,7 @@
   <p:cSld>
     <p:spTree>
       <p:nvGrpSpPr>
-        <p:cNvPr id="104" name="Shape 104"/>
+        <p:cNvPr id="105" name="Shape 105"/>
         <p:cNvGrpSpPr/>
         <p:nvPr/>
       </p:nvGrpSpPr>
@@ -2425,7 +2425,7 @@
       </p:grpSpPr>
       <p:sp>
         <p:nvSpPr>
-          <p:cNvPr id="105" name="Google Shape;105;g3434270dffa_0_14:notes"/>
+          <p:cNvPr id="106" name="Google Shape;106;g3434270dffa_0_14:notes"/>
           <p:cNvSpPr/>
           <p:nvPr>
             <p:ph idx="2" type="sldImg"/>
@@ -2470,7 +2470,7 @@
       </p:sp>
       <p:sp>
         <p:nvSpPr>
-          <p:cNvPr id="106" name="Google Shape;106;g3434270dffa_0_14:notes"/>
+          <p:cNvPr id="107" name="Google Shape;107;g3434270dffa_0_14:notes"/>
           <p:cNvSpPr txBox="1"/>
           <p:nvPr>
             <p:ph idx="1" type="body"/>
@@ -2528,7 +2528,7 @@
   <p:cSld>
     <p:spTree>
       <p:nvGrpSpPr>
-        <p:cNvPr id="114" name="Shape 114"/>
+        <p:cNvPr id="115" name="Shape 115"/>
         <p:cNvGrpSpPr/>
         <p:nvPr/>
       </p:nvGrpSpPr>
@@ -2542,7 +2542,7 @@
       </p:grpSpPr>
       <p:sp>
         <p:nvSpPr>
-          <p:cNvPr id="115" name="Google Shape;115;g23ec2985a68_1_33:notes"/>
+          <p:cNvPr id="116" name="Google Shape;116;g23ec2985a68_1_33:notes"/>
           <p:cNvSpPr/>
           <p:nvPr>
             <p:ph idx="2" type="sldImg"/>
@@ -2587,7 +2587,7 @@
       </p:sp>
       <p:sp>
         <p:nvSpPr>
-          <p:cNvPr id="116" name="Google Shape;116;g23ec2985a68_1_33:notes"/>
+          <p:cNvPr id="117" name="Google Shape;117;g23ec2985a68_1_33:notes"/>
           <p:cNvSpPr txBox="1"/>
           <p:nvPr>
             <p:ph idx="1" type="body"/>
@@ -2645,7 +2645,7 @@
   <p:cSld>
     <p:spTree>
       <p:nvGrpSpPr>
-        <p:cNvPr id="132" name="Shape 132"/>
+        <p:cNvPr id="133" name="Shape 133"/>
         <p:cNvGrpSpPr/>
         <p:nvPr/>
       </p:nvGrpSpPr>
@@ -2659,7 +2659,7 @@
       </p:grpSpPr>
       <p:sp>
         <p:nvSpPr>
-          <p:cNvPr id="133" name="Google Shape;133;g3434270dffa_0_57:notes"/>
+          <p:cNvPr id="134" name="Google Shape;134;g3434270dffa_0_57:notes"/>
           <p:cNvSpPr/>
           <p:nvPr>
             <p:ph idx="2" type="sldImg"/>
@@ -2704,7 +2704,7 @@
       </p:sp>
       <p:sp>
         <p:nvSpPr>
-          <p:cNvPr id="134" name="Google Shape;134;g3434270dffa_0_57:notes"/>
+          <p:cNvPr id="135" name="Google Shape;135;g3434270dffa_0_57:notes"/>
           <p:cNvSpPr txBox="1"/>
           <p:nvPr>
             <p:ph idx="1" type="body"/>
@@ -2762,7 +2762,7 @@
   <p:cSld>
     <p:spTree>
       <p:nvGrpSpPr>
-        <p:cNvPr id="145" name="Shape 145"/>
+        <p:cNvPr id="146" name="Shape 146"/>
         <p:cNvGrpSpPr/>
         <p:nvPr/>
       </p:nvGrpSpPr>
@@ -2776,7 +2776,7 @@
       </p:grpSpPr>
       <p:sp>
         <p:nvSpPr>
-          <p:cNvPr id="146" name="Google Shape;146;g3439c1feabf_0_0:notes"/>
+          <p:cNvPr id="147" name="Google Shape;147;g3439c1feabf_0_0:notes"/>
           <p:cNvSpPr/>
           <p:nvPr>
             <p:ph idx="2" type="sldImg"/>
@@ -2821,7 +2821,7 @@
       </p:sp>
       <p:sp>
         <p:nvSpPr>
-          <p:cNvPr id="147" name="Google Shape;147;g3439c1feabf_0_0:notes"/>
+          <p:cNvPr id="148" name="Google Shape;148;g3439c1feabf_0_0:notes"/>
           <p:cNvSpPr txBox="1"/>
           <p:nvPr>
             <p:ph idx="1" type="body"/>
@@ -2879,7 +2879,7 @@
   <p:cSld>
     <p:spTree>
       <p:nvGrpSpPr>
-        <p:cNvPr id="155" name="Shape 155"/>
+        <p:cNvPr id="156" name="Shape 156"/>
         <p:cNvGrpSpPr/>
         <p:nvPr/>
       </p:nvGrpSpPr>
@@ -2893,7 +2893,7 @@
       </p:grpSpPr>
       <p:sp>
         <p:nvSpPr>
-          <p:cNvPr id="156" name="Google Shape;156;g23ec2985a68_1_42:notes"/>
+          <p:cNvPr id="157" name="Google Shape;157;g23ec2985a68_1_42:notes"/>
           <p:cNvSpPr/>
           <p:nvPr>
             <p:ph idx="2" type="sldImg"/>
@@ -2938,7 +2938,7 @@
       </p:sp>
       <p:sp>
         <p:nvSpPr>
-          <p:cNvPr id="157" name="Google Shape;157;g23ec2985a68_1_42:notes"/>
+          <p:cNvPr id="158" name="Google Shape;158;g23ec2985a68_1_42:notes"/>
           <p:cNvSpPr txBox="1"/>
           <p:nvPr>
             <p:ph idx="1" type="body"/>
@@ -11136,7 +11136,7 @@
   <p:cSld>
     <p:spTree>
       <p:nvGrpSpPr>
-        <p:cNvPr id="168" name="Shape 168"/>
+        <p:cNvPr id="169" name="Shape 169"/>
         <p:cNvGrpSpPr/>
         <p:nvPr/>
       </p:nvGrpSpPr>
@@ -11150,7 +11150,7 @@
       </p:grpSpPr>
       <p:pic>
         <p:nvPicPr>
-          <p:cNvPr id="169" name="Google Shape;169;g23ec2985a68_1_49"/>
+          <p:cNvPr id="170" name="Google Shape;170;g23ec2985a68_1_49"/>
           <p:cNvPicPr preferRelativeResize="0"/>
           <p:nvPr/>
         </p:nvPicPr>
@@ -11177,7 +11177,7 @@
       </p:pic>
       <p:sp>
         <p:nvSpPr>
-          <p:cNvPr id="170" name="Google Shape;170;g23ec2985a68_1_49"/>
+          <p:cNvPr id="171" name="Google Shape;171;g23ec2985a68_1_49"/>
           <p:cNvSpPr txBox="1"/>
           <p:nvPr/>
         </p:nvSpPr>
@@ -11250,7 +11250,7 @@
       </p:sp>
       <p:sp>
         <p:nvSpPr>
-          <p:cNvPr id="171" name="Google Shape;171;g23ec2985a68_1_49"/>
+          <p:cNvPr id="172" name="Google Shape;172;g23ec2985a68_1_49"/>
           <p:cNvSpPr txBox="1"/>
           <p:nvPr/>
         </p:nvSpPr>
@@ -11295,7 +11295,7 @@
       </p:sp>
       <p:pic>
         <p:nvPicPr>
-          <p:cNvPr id="172" name="Google Shape;172;g23ec2985a68_1_49"/>
+          <p:cNvPr id="173" name="Google Shape;173;g23ec2985a68_1_49"/>
           <p:cNvPicPr preferRelativeResize="0"/>
           <p:nvPr/>
         </p:nvPicPr>
@@ -11322,7 +11322,7 @@
       </p:pic>
       <p:pic>
         <p:nvPicPr>
-          <p:cNvPr id="173" name="Google Shape;173;g23ec2985a68_1_49"/>
+          <p:cNvPr id="174" name="Google Shape;174;g23ec2985a68_1_49"/>
           <p:cNvPicPr preferRelativeResize="0"/>
           <p:nvPr/>
         </p:nvPicPr>
@@ -11349,7 +11349,7 @@
       </p:pic>
       <p:pic>
         <p:nvPicPr>
-          <p:cNvPr id="174" name="Google Shape;174;g23ec2985a68_1_49"/>
+          <p:cNvPr id="175" name="Google Shape;175;g23ec2985a68_1_49"/>
           <p:cNvPicPr preferRelativeResize="0"/>
           <p:nvPr/>
         </p:nvPicPr>
@@ -11377,7 +11377,7 @@
       </p:pic>
       <p:pic>
         <p:nvPicPr>
-          <p:cNvPr id="175" name="Google Shape;175;g23ec2985a68_1_49"/>
+          <p:cNvPr id="176" name="Google Shape;176;g23ec2985a68_1_49"/>
           <p:cNvPicPr preferRelativeResize="0"/>
           <p:nvPr/>
         </p:nvPicPr>
@@ -11416,7 +11416,7 @@
   <p:cSld>
     <p:spTree>
       <p:nvGrpSpPr>
-        <p:cNvPr id="179" name="Shape 179"/>
+        <p:cNvPr id="180" name="Shape 180"/>
         <p:cNvGrpSpPr/>
         <p:nvPr/>
       </p:nvGrpSpPr>
@@ -11430,7 +11430,7 @@
       </p:grpSpPr>
       <p:pic>
         <p:nvPicPr>
-          <p:cNvPr id="180" name="Google Shape;180;g3439c1feabf_0_26"/>
+          <p:cNvPr id="181" name="Google Shape;181;g3439c1feabf_0_26"/>
           <p:cNvPicPr preferRelativeResize="0"/>
           <p:nvPr/>
         </p:nvPicPr>
@@ -11457,7 +11457,7 @@
       </p:pic>
       <p:sp>
         <p:nvSpPr>
-          <p:cNvPr id="181" name="Google Shape;181;g3439c1feabf_0_26"/>
+          <p:cNvPr id="182" name="Google Shape;182;g3439c1feabf_0_26"/>
           <p:cNvSpPr txBox="1"/>
           <p:nvPr/>
         </p:nvSpPr>
@@ -11530,7 +11530,7 @@
       </p:sp>
       <p:sp>
         <p:nvSpPr>
-          <p:cNvPr id="182" name="Google Shape;182;g3439c1feabf_0_26"/>
+          <p:cNvPr id="183" name="Google Shape;183;g3439c1feabf_0_26"/>
           <p:cNvSpPr txBox="1"/>
           <p:nvPr/>
         </p:nvSpPr>
@@ -11575,7 +11575,7 @@
       </p:sp>
       <p:pic>
         <p:nvPicPr>
-          <p:cNvPr id="183" name="Google Shape;183;g3439c1feabf_0_26"/>
+          <p:cNvPr id="184" name="Google Shape;184;g3439c1feabf_0_26"/>
           <p:cNvPicPr preferRelativeResize="0"/>
           <p:nvPr/>
         </p:nvPicPr>
@@ -11602,7 +11602,7 @@
       </p:pic>
       <p:pic>
         <p:nvPicPr>
-          <p:cNvPr id="184" name="Google Shape;184;g3439c1feabf_0_26"/>
+          <p:cNvPr id="185" name="Google Shape;185;g3439c1feabf_0_26"/>
           <p:cNvPicPr preferRelativeResize="0"/>
           <p:nvPr/>
         </p:nvPicPr>
@@ -11629,7 +11629,7 @@
       </p:pic>
       <p:pic>
         <p:nvPicPr>
-          <p:cNvPr id="185" name="Google Shape;185;g3439c1feabf_0_26"/>
+          <p:cNvPr id="186" name="Google Shape;186;g3439c1feabf_0_26"/>
           <p:cNvPicPr preferRelativeResize="0"/>
           <p:nvPr/>
         </p:nvPicPr>
@@ -11668,7 +11668,7 @@
   <p:cSld>
     <p:spTree>
       <p:nvGrpSpPr>
-        <p:cNvPr id="189" name="Shape 189"/>
+        <p:cNvPr id="190" name="Shape 190"/>
         <p:cNvGrpSpPr/>
         <p:nvPr/>
       </p:nvGrpSpPr>
@@ -11682,7 +11682,7 @@
       </p:grpSpPr>
       <p:pic>
         <p:nvPicPr>
-          <p:cNvPr id="190" name="Google Shape;190;g23ec2985a68_1_56"/>
+          <p:cNvPr id="191" name="Google Shape;191;g23ec2985a68_1_56"/>
           <p:cNvPicPr preferRelativeResize="0"/>
           <p:nvPr/>
         </p:nvPicPr>
@@ -11709,7 +11709,7 @@
       </p:pic>
       <p:sp>
         <p:nvSpPr>
-          <p:cNvPr id="191" name="Google Shape;191;g23ec2985a68_1_56"/>
+          <p:cNvPr id="192" name="Google Shape;192;g23ec2985a68_1_56"/>
           <p:cNvSpPr txBox="1"/>
           <p:nvPr/>
         </p:nvSpPr>
@@ -11782,7 +11782,7 @@
       </p:sp>
       <p:pic>
         <p:nvPicPr>
-          <p:cNvPr id="192" name="Google Shape;192;g23ec2985a68_1_56"/>
+          <p:cNvPr id="193" name="Google Shape;193;g23ec2985a68_1_56"/>
           <p:cNvPicPr preferRelativeResize="0"/>
           <p:nvPr/>
         </p:nvPicPr>
@@ -11809,7 +11809,7 @@
       </p:pic>
       <p:pic>
         <p:nvPicPr>
-          <p:cNvPr id="193" name="Google Shape;193;g23ec2985a68_1_56"/>
+          <p:cNvPr id="194" name="Google Shape;194;g23ec2985a68_1_56"/>
           <p:cNvPicPr preferRelativeResize="0"/>
           <p:nvPr/>
         </p:nvPicPr>
@@ -11836,7 +11836,7 @@
       </p:pic>
       <p:pic>
         <p:nvPicPr>
-          <p:cNvPr id="194" name="Google Shape;194;g23ec2985a68_1_56"/>
+          <p:cNvPr id="195" name="Google Shape;195;g23ec2985a68_1_56"/>
           <p:cNvPicPr preferRelativeResize="0"/>
           <p:nvPr/>
         </p:nvPicPr>
@@ -11875,7 +11875,7 @@
   <p:cSld>
     <p:spTree>
       <p:nvGrpSpPr>
-        <p:cNvPr id="198" name="Shape 198"/>
+        <p:cNvPr id="199" name="Shape 199"/>
         <p:cNvGrpSpPr/>
         <p:nvPr/>
       </p:nvGrpSpPr>
@@ -11889,7 +11889,7 @@
       </p:grpSpPr>
       <p:pic>
         <p:nvPicPr>
-          <p:cNvPr id="199" name="Google Shape;199;g3439c1feabf_0_40"/>
+          <p:cNvPr id="200" name="Google Shape;200;g3439c1feabf_0_40"/>
           <p:cNvPicPr preferRelativeResize="0"/>
           <p:nvPr/>
         </p:nvPicPr>
@@ -11916,7 +11916,7 @@
       </p:pic>
       <p:pic>
         <p:nvPicPr>
-          <p:cNvPr id="200" name="Google Shape;200;g3439c1feabf_0_40"/>
+          <p:cNvPr id="201" name="Google Shape;201;g3439c1feabf_0_40"/>
           <p:cNvPicPr preferRelativeResize="0"/>
           <p:nvPr/>
         </p:nvPicPr>
@@ -11943,7 +11943,7 @@
       </p:pic>
       <p:pic>
         <p:nvPicPr>
-          <p:cNvPr id="201" name="Google Shape;201;g3439c1feabf_0_40"/>
+          <p:cNvPr id="202" name="Google Shape;202;g3439c1feabf_0_40"/>
           <p:cNvPicPr preferRelativeResize="0"/>
           <p:nvPr/>
         </p:nvPicPr>
@@ -11970,7 +11970,7 @@
       </p:pic>
       <p:pic>
         <p:nvPicPr>
-          <p:cNvPr id="202" name="Google Shape;202;g3439c1feabf_0_40"/>
+          <p:cNvPr id="203" name="Google Shape;203;g3439c1feabf_0_40"/>
           <p:cNvPicPr preferRelativeResize="0"/>
           <p:nvPr/>
         </p:nvPicPr>
@@ -11998,7 +11998,7 @@
       </p:pic>
       <p:sp>
         <p:nvSpPr>
-          <p:cNvPr id="203" name="Google Shape;203;g3439c1feabf_0_40"/>
+          <p:cNvPr id="204" name="Google Shape;204;g3439c1feabf_0_40"/>
           <p:cNvSpPr txBox="1"/>
           <p:nvPr/>
         </p:nvSpPr>
@@ -12388,7 +12388,7 @@
   <p:cSld>
     <p:spTree>
       <p:nvGrpSpPr>
-        <p:cNvPr id="207" name="Shape 207"/>
+        <p:cNvPr id="208" name="Shape 208"/>
         <p:cNvGrpSpPr/>
         <p:nvPr/>
       </p:nvGrpSpPr>
@@ -12402,7 +12402,7 @@
       </p:grpSpPr>
       <p:pic>
         <p:nvPicPr>
-          <p:cNvPr id="208" name="Google Shape;208;g345d0b494d1_0_0"/>
+          <p:cNvPr id="209" name="Google Shape;209;g345d0b494d1_0_0"/>
           <p:cNvPicPr preferRelativeResize="0"/>
           <p:nvPr/>
         </p:nvPicPr>
@@ -12429,7 +12429,7 @@
       </p:pic>
       <p:pic>
         <p:nvPicPr>
-          <p:cNvPr id="209" name="Google Shape;209;g345d0b494d1_0_0"/>
+          <p:cNvPr id="210" name="Google Shape;210;g345d0b494d1_0_0"/>
           <p:cNvPicPr preferRelativeResize="0"/>
           <p:nvPr/>
         </p:nvPicPr>
@@ -12456,7 +12456,7 @@
       </p:pic>
       <p:pic>
         <p:nvPicPr>
-          <p:cNvPr id="210" name="Google Shape;210;g345d0b494d1_0_0"/>
+          <p:cNvPr id="211" name="Google Shape;211;g345d0b494d1_0_0"/>
           <p:cNvPicPr preferRelativeResize="0"/>
           <p:nvPr/>
         </p:nvPicPr>
@@ -12483,7 +12483,7 @@
       </p:pic>
       <p:pic>
         <p:nvPicPr>
-          <p:cNvPr id="211" name="Google Shape;211;g345d0b494d1_0_0"/>
+          <p:cNvPr id="212" name="Google Shape;212;g345d0b494d1_0_0"/>
           <p:cNvPicPr preferRelativeResize="0"/>
           <p:nvPr/>
         </p:nvPicPr>
@@ -12511,7 +12511,7 @@
       </p:pic>
       <p:sp>
         <p:nvSpPr>
-          <p:cNvPr id="212" name="Google Shape;212;g345d0b494d1_0_0"/>
+          <p:cNvPr id="213" name="Google Shape;213;g345d0b494d1_0_0"/>
           <p:cNvSpPr txBox="1"/>
           <p:nvPr/>
         </p:nvSpPr>
@@ -12787,7 +12787,7 @@
   <p:cSld>
     <p:spTree>
       <p:nvGrpSpPr>
-        <p:cNvPr id="216" name="Shape 216"/>
+        <p:cNvPr id="217" name="Shape 217"/>
         <p:cNvGrpSpPr/>
         <p:nvPr/>
       </p:nvGrpSpPr>
@@ -12801,7 +12801,7 @@
       </p:grpSpPr>
       <p:pic>
         <p:nvPicPr>
-          <p:cNvPr id="217" name="Google Shape;217;g345d0b494d1_0_12"/>
+          <p:cNvPr id="218" name="Google Shape;218;g345d0b494d1_0_12"/>
           <p:cNvPicPr preferRelativeResize="0"/>
           <p:nvPr/>
         </p:nvPicPr>
@@ -12828,7 +12828,7 @@
       </p:pic>
       <p:pic>
         <p:nvPicPr>
-          <p:cNvPr id="218" name="Google Shape;218;g345d0b494d1_0_12"/>
+          <p:cNvPr id="219" name="Google Shape;219;g345d0b494d1_0_12"/>
           <p:cNvPicPr preferRelativeResize="0"/>
           <p:nvPr/>
         </p:nvPicPr>
@@ -12855,7 +12855,7 @@
       </p:pic>
       <p:pic>
         <p:nvPicPr>
-          <p:cNvPr id="219" name="Google Shape;219;g345d0b494d1_0_12"/>
+          <p:cNvPr id="220" name="Google Shape;220;g345d0b494d1_0_12"/>
           <p:cNvPicPr preferRelativeResize="0"/>
           <p:nvPr/>
         </p:nvPicPr>
@@ -12882,7 +12882,7 @@
       </p:pic>
       <p:pic>
         <p:nvPicPr>
-          <p:cNvPr id="220" name="Google Shape;220;g345d0b494d1_0_12"/>
+          <p:cNvPr id="221" name="Google Shape;221;g345d0b494d1_0_12"/>
           <p:cNvPicPr preferRelativeResize="0"/>
           <p:nvPr/>
         </p:nvPicPr>
@@ -12909,7 +12909,7 @@
       </p:pic>
       <p:sp>
         <p:nvSpPr>
-          <p:cNvPr id="221" name="Google Shape;221;g345d0b494d1_0_12"/>
+          <p:cNvPr id="222" name="Google Shape;222;g345d0b494d1_0_12"/>
           <p:cNvSpPr txBox="1"/>
           <p:nvPr/>
         </p:nvSpPr>
@@ -13402,7 +13402,7 @@
   <p:cSld>
     <p:spTree>
       <p:nvGrpSpPr>
-        <p:cNvPr id="225" name="Shape 225"/>
+        <p:cNvPr id="226" name="Shape 226"/>
         <p:cNvGrpSpPr/>
         <p:nvPr/>
       </p:nvGrpSpPr>
@@ -13416,7 +13416,7 @@
       </p:grpSpPr>
       <p:pic>
         <p:nvPicPr>
-          <p:cNvPr id="226" name="Google Shape;226;g345d0b494d1_0_24"/>
+          <p:cNvPr id="227" name="Google Shape;227;g345d0b494d1_0_24"/>
           <p:cNvPicPr preferRelativeResize="0"/>
           <p:nvPr/>
         </p:nvPicPr>
@@ -13443,7 +13443,7 @@
       </p:pic>
       <p:pic>
         <p:nvPicPr>
-          <p:cNvPr id="227" name="Google Shape;227;g345d0b494d1_0_24"/>
+          <p:cNvPr id="228" name="Google Shape;228;g345d0b494d1_0_24"/>
           <p:cNvPicPr preferRelativeResize="0"/>
           <p:nvPr/>
         </p:nvPicPr>
@@ -13470,7 +13470,7 @@
       </p:pic>
       <p:pic>
         <p:nvPicPr>
-          <p:cNvPr id="228" name="Google Shape;228;g345d0b494d1_0_24"/>
+          <p:cNvPr id="229" name="Google Shape;229;g345d0b494d1_0_24"/>
           <p:cNvPicPr preferRelativeResize="0"/>
           <p:nvPr/>
         </p:nvPicPr>
@@ -13497,7 +13497,7 @@
       </p:pic>
       <p:sp>
         <p:nvSpPr>
-          <p:cNvPr id="229" name="Google Shape;229;g345d0b494d1_0_24"/>
+          <p:cNvPr id="230" name="Google Shape;230;g345d0b494d1_0_24"/>
           <p:cNvSpPr txBox="1"/>
           <p:nvPr/>
         </p:nvSpPr>
@@ -13943,7 +13943,7 @@
       </p:sp>
       <p:pic>
         <p:nvPicPr>
-          <p:cNvPr id="230" name="Google Shape;230;g345d0b494d1_0_24"/>
+          <p:cNvPr id="231" name="Google Shape;231;g345d0b494d1_0_24"/>
           <p:cNvPicPr preferRelativeResize="0"/>
           <p:nvPr/>
         </p:nvPicPr>
@@ -13982,7 +13982,7 @@
   <p:cSld>
     <p:spTree>
       <p:nvGrpSpPr>
-        <p:cNvPr id="234" name="Shape 234"/>
+        <p:cNvPr id="235" name="Shape 235"/>
         <p:cNvGrpSpPr/>
         <p:nvPr/>
       </p:nvGrpSpPr>
@@ -13996,7 +13996,7 @@
       </p:grpSpPr>
       <p:pic>
         <p:nvPicPr>
-          <p:cNvPr id="235" name="Google Shape;235;g345d0b494d1_0_35"/>
+          <p:cNvPr id="236" name="Google Shape;236;g345d0b494d1_0_35"/>
           <p:cNvPicPr preferRelativeResize="0"/>
           <p:nvPr/>
         </p:nvPicPr>
@@ -14023,7 +14023,7 @@
       </p:pic>
       <p:pic>
         <p:nvPicPr>
-          <p:cNvPr id="236" name="Google Shape;236;g345d0b494d1_0_35"/>
+          <p:cNvPr id="237" name="Google Shape;237;g345d0b494d1_0_35"/>
           <p:cNvPicPr preferRelativeResize="0"/>
           <p:nvPr/>
         </p:nvPicPr>
@@ -14050,7 +14050,7 @@
       </p:pic>
       <p:pic>
         <p:nvPicPr>
-          <p:cNvPr id="237" name="Google Shape;237;g345d0b494d1_0_35"/>
+          <p:cNvPr id="238" name="Google Shape;238;g345d0b494d1_0_35"/>
           <p:cNvPicPr preferRelativeResize="0"/>
           <p:nvPr/>
         </p:nvPicPr>
@@ -14077,7 +14077,7 @@
       </p:pic>
       <p:pic>
         <p:nvPicPr>
-          <p:cNvPr id="238" name="Google Shape;238;g345d0b494d1_0_35"/>
+          <p:cNvPr id="239" name="Google Shape;239;g345d0b494d1_0_35"/>
           <p:cNvPicPr preferRelativeResize="0"/>
           <p:nvPr/>
         </p:nvPicPr>
@@ -14105,7 +14105,7 @@
       </p:pic>
       <p:sp>
         <p:nvSpPr>
-          <p:cNvPr id="239" name="Google Shape;239;g345d0b494d1_0_35"/>
+          <p:cNvPr id="240" name="Google Shape;240;g345d0b494d1_0_35"/>
           <p:cNvSpPr txBox="1"/>
           <p:nvPr/>
         </p:nvSpPr>
@@ -14202,7 +14202,7 @@
     </p:bg>
     <p:spTree>
       <p:nvGrpSpPr>
-        <p:cNvPr id="243" name="Shape 243"/>
+        <p:cNvPr id="244" name="Shape 244"/>
         <p:cNvGrpSpPr/>
         <p:nvPr/>
       </p:nvGrpSpPr>
@@ -14216,7 +14216,7 @@
       </p:grpSpPr>
       <p:pic>
         <p:nvPicPr>
-          <p:cNvPr id="244" name="Google Shape;244;p8"/>
+          <p:cNvPr id="245" name="Google Shape;245;p8"/>
           <p:cNvPicPr preferRelativeResize="0"/>
           <p:nvPr/>
         </p:nvPicPr>
@@ -14243,7 +14243,7 @@
       </p:pic>
       <p:pic>
         <p:nvPicPr>
-          <p:cNvPr id="245" name="Google Shape;245;p8"/>
+          <p:cNvPr id="246" name="Google Shape;246;p8"/>
           <p:cNvPicPr preferRelativeResize="0"/>
           <p:nvPr/>
         </p:nvPicPr>
@@ -14270,7 +14270,7 @@
       </p:pic>
       <p:sp>
         <p:nvSpPr>
-          <p:cNvPr id="246" name="Google Shape;246;p8"/>
+          <p:cNvPr id="247" name="Google Shape;247;p8"/>
           <p:cNvSpPr txBox="1"/>
           <p:nvPr/>
         </p:nvSpPr>
@@ -14343,7 +14343,7 @@
       </p:sp>
       <p:sp>
         <p:nvSpPr>
-          <p:cNvPr id="247" name="Google Shape;247;p8"/>
+          <p:cNvPr id="248" name="Google Shape;248;p8"/>
           <p:cNvSpPr txBox="1"/>
           <p:nvPr/>
         </p:nvSpPr>
@@ -14409,7 +14409,7 @@
       </p:sp>
       <p:pic>
         <p:nvPicPr>
-          <p:cNvPr id="248" name="Google Shape;248;p8"/>
+          <p:cNvPr id="249" name="Google Shape;249;p8"/>
           <p:cNvPicPr preferRelativeResize="0"/>
           <p:nvPr/>
         </p:nvPicPr>
@@ -14577,76 +14577,6 @@
       <p:sp>
         <p:nvSpPr>
           <p:cNvPr id="69" name="Google Shape;69;p3"/>
-          <p:cNvSpPr/>
-          <p:nvPr/>
-        </p:nvSpPr>
-        <p:spPr>
-          <a:xfrm>
-            <a:off x="1033575" y="470775"/>
-            <a:ext cx="2431800" cy="3298800"/>
-          </a:xfrm>
-          <a:prstGeom prst="roundRect">
-            <a:avLst>
-              <a:gd fmla="val 16667" name="adj"/>
-            </a:avLst>
-          </a:prstGeom>
-          <a:solidFill>
-            <a:schemeClr val="accent4"/>
-          </a:solidFill>
-          <a:ln>
-            <a:noFill/>
-          </a:ln>
-        </p:spPr>
-        <p:txBody>
-          <a:bodyPr anchorCtr="0" anchor="ctr" bIns="91425" lIns="91425" spcFirstLastPara="1" rIns="91425" wrap="square" tIns="91425">
-            <a:noAutofit/>
-          </a:bodyPr>
-          <a:lstStyle/>
-          <a:p>
-            <a:pPr indent="0" lvl="0" marL="0" marR="0" rtl="0" algn="ctr">
-              <a:lnSpc>
-                <a:spcPct val="100000"/>
-              </a:lnSpc>
-              <a:spcBef>
-                <a:spcPts val="0"/>
-              </a:spcBef>
-              <a:spcAft>
-                <a:spcPts val="0"/>
-              </a:spcAft>
-              <a:buClr>
-                <a:srgbClr val="000000"/>
-              </a:buClr>
-              <a:buSzPts val="1400"/>
-              <a:buFont typeface="Arial"/>
-              <a:buNone/>
-            </a:pPr>
-            <a:r>
-              <a:rPr b="0" i="0" lang="en" sz="1400" u="none" cap="none" strike="noStrike">
-                <a:solidFill>
-                  <a:srgbClr val="000000"/>
-                </a:solidFill>
-                <a:latin typeface="Rubik Medium"/>
-                <a:ea typeface="Rubik Medium"/>
-                <a:cs typeface="Rubik Medium"/>
-                <a:sym typeface="Rubik Medium"/>
-              </a:rPr>
-              <a:t>Insert your photo here</a:t>
-            </a:r>
-            <a:endParaRPr b="0" i="0" sz="1400" u="none" cap="none" strike="noStrike">
-              <a:solidFill>
-                <a:srgbClr val="000000"/>
-              </a:solidFill>
-              <a:latin typeface="Rubik Medium"/>
-              <a:ea typeface="Rubik Medium"/>
-              <a:cs typeface="Rubik Medium"/>
-              <a:sym typeface="Rubik Medium"/>
-            </a:endParaRPr>
-          </a:p>
-        </p:txBody>
-      </p:sp>
-      <p:sp>
-        <p:nvSpPr>
-          <p:cNvPr id="70" name="Google Shape;70;p3"/>
           <p:cNvSpPr txBox="1"/>
           <p:nvPr/>
         </p:nvSpPr>
@@ -14709,7 +14639,7 @@
       </p:sp>
       <p:sp>
         <p:nvSpPr>
-          <p:cNvPr id="71" name="Google Shape;71;p3"/>
+          <p:cNvPr id="70" name="Google Shape;70;p3"/>
           <p:cNvSpPr txBox="1"/>
           <p:nvPr/>
         </p:nvSpPr>
@@ -14775,7 +14705,7 @@
       </p:sp>
       <p:sp>
         <p:nvSpPr>
-          <p:cNvPr id="72" name="Google Shape;72;p3"/>
+          <p:cNvPr id="71" name="Google Shape;71;p3"/>
           <p:cNvSpPr txBox="1"/>
           <p:nvPr/>
         </p:nvSpPr>
@@ -14837,7 +14767,7 @@
       </p:sp>
       <p:sp>
         <p:nvSpPr>
-          <p:cNvPr id="73" name="Google Shape;73;p3"/>
+          <p:cNvPr id="72" name="Google Shape;72;p3"/>
           <p:cNvSpPr txBox="1"/>
           <p:nvPr/>
         </p:nvSpPr>
@@ -14900,7 +14830,7 @@
       </p:sp>
       <p:pic>
         <p:nvPicPr>
-          <p:cNvPr id="74" name="Google Shape;74;p3"/>
+          <p:cNvPr id="73" name="Google Shape;73;p3"/>
           <p:cNvPicPr preferRelativeResize="0"/>
           <p:nvPr/>
         </p:nvPicPr>
@@ -14927,7 +14857,7 @@
       </p:pic>
       <p:pic>
         <p:nvPicPr>
-          <p:cNvPr id="75" name="Google Shape;75;p3"/>
+          <p:cNvPr id="74" name="Google Shape;74;p3"/>
           <p:cNvPicPr preferRelativeResize="0"/>
           <p:nvPr/>
         </p:nvPicPr>
@@ -14954,7 +14884,7 @@
       </p:pic>
       <p:pic>
         <p:nvPicPr>
-          <p:cNvPr id="76" name="Google Shape;76;p3"/>
+          <p:cNvPr id="75" name="Google Shape;75;p3"/>
           <p:cNvPicPr preferRelativeResize="0"/>
           <p:nvPr/>
         </p:nvPicPr>
@@ -14981,7 +14911,7 @@
       </p:pic>
       <p:sp>
         <p:nvSpPr>
-          <p:cNvPr id="77" name="Google Shape;77;p3"/>
+          <p:cNvPr id="76" name="Google Shape;76;p3"/>
           <p:cNvSpPr txBox="1"/>
           <p:nvPr/>
         </p:nvSpPr>
@@ -15022,11 +14952,15 @@
               <a:buNone/>
             </a:pPr>
             <a:r>
-              <a:rPr lang="en" sz="1200">
+              <a:rPr lang="en" sz="1200" u="sng">
+                <a:solidFill>
+                  <a:schemeClr val="hlink"/>
+                </a:solidFill>
                 <a:latin typeface="Rubik Medium"/>
                 <a:ea typeface="Rubik Medium"/>
                 <a:cs typeface="Rubik Medium"/>
                 <a:sym typeface="Rubik Medium"/>
+                <a:hlinkClick r:id="rId8"/>
               </a:rPr>
               <a:t>https://linkedin.com/in/wildanrel/</a:t>
             </a:r>
@@ -15044,7 +14978,7 @@
       </p:sp>
       <p:sp>
         <p:nvSpPr>
-          <p:cNvPr id="78" name="Google Shape;78;p3"/>
+          <p:cNvPr id="77" name="Google Shape;77;p3"/>
           <p:cNvSpPr txBox="1"/>
           <p:nvPr/>
         </p:nvSpPr>
@@ -15107,12 +15041,12 @@
       </p:sp>
       <p:pic>
         <p:nvPicPr>
-          <p:cNvPr id="79" name="Google Shape;79;p3"/>
+          <p:cNvPr id="78" name="Google Shape;78;p3"/>
           <p:cNvPicPr preferRelativeResize="0"/>
           <p:nvPr/>
         </p:nvPicPr>
         <p:blipFill rotWithShape="1">
-          <a:blip r:embed="rId8">
+          <a:blip r:embed="rId9">
             <a:alphaModFix/>
           </a:blip>
           <a:srcRect b="13301" l="0" r="0" t="18064"/>
@@ -15120,8 +15054,8 @@
         </p:blipFill>
         <p:spPr>
           <a:xfrm>
-            <a:off x="1004800" y="470775"/>
-            <a:ext cx="2460600" cy="3351900"/>
+            <a:off x="1146600" y="164825"/>
+            <a:ext cx="2278800" cy="3104400"/>
           </a:xfrm>
           <a:prstGeom prst="roundRect">
             <a:avLst>
@@ -15147,12 +15081,12 @@
       </p:pic>
       <p:pic>
         <p:nvPicPr>
-          <p:cNvPr id="80" name="Google Shape;80;p3"/>
+          <p:cNvPr id="79" name="Google Shape;79;p3"/>
           <p:cNvPicPr preferRelativeResize="0"/>
           <p:nvPr/>
         </p:nvPicPr>
         <p:blipFill rotWithShape="1">
-          <a:blip r:embed="rId9">
+          <a:blip r:embed="rId10">
             <a:alphaModFix/>
           </a:blip>
           <a:srcRect b="0" l="0" r="0" t="0"/>
@@ -15172,6 +15106,110 @@
           </a:ln>
         </p:spPr>
       </p:pic>
+      <p:pic>
+        <p:nvPicPr>
+          <p:cNvPr id="80" name="Google Shape;80;p3"/>
+          <p:cNvPicPr preferRelativeResize="0"/>
+          <p:nvPr/>
+        </p:nvPicPr>
+        <p:blipFill>
+          <a:blip r:embed="rId11">
+            <a:alphaModFix/>
+          </a:blip>
+          <a:stretch>
+            <a:fillRect/>
+          </a:stretch>
+        </p:blipFill>
+        <p:spPr>
+          <a:xfrm>
+            <a:off x="495300" y="3337675"/>
+            <a:ext cx="400200" cy="400200"/>
+          </a:xfrm>
+          <a:prstGeom prst="rect">
+            <a:avLst/>
+          </a:prstGeom>
+          <a:noFill/>
+          <a:ln>
+            <a:noFill/>
+          </a:ln>
+        </p:spPr>
+      </p:pic>
+      <p:sp>
+        <p:nvSpPr>
+          <p:cNvPr id="81" name="Google Shape;81;p3"/>
+          <p:cNvSpPr txBox="1"/>
+          <p:nvPr/>
+        </p:nvSpPr>
+        <p:spPr>
+          <a:xfrm>
+            <a:off x="1004788" y="3376013"/>
+            <a:ext cx="3504600" cy="369300"/>
+          </a:xfrm>
+          <a:prstGeom prst="rect">
+            <a:avLst/>
+          </a:prstGeom>
+          <a:noFill/>
+          <a:ln>
+            <a:noFill/>
+          </a:ln>
+        </p:spPr>
+        <p:txBody>
+          <a:bodyPr anchorCtr="0" anchor="t" bIns="91425" lIns="91425" spcFirstLastPara="1" rIns="91425" wrap="square" tIns="91425">
+            <a:spAutoFit/>
+          </a:bodyPr>
+          <a:lstStyle/>
+          <a:p>
+            <a:pPr indent="0" lvl="0" marL="0" marR="0" rtl="0" algn="l">
+              <a:lnSpc>
+                <a:spcPct val="150000"/>
+              </a:lnSpc>
+              <a:spcBef>
+                <a:spcPts val="0"/>
+              </a:spcBef>
+              <a:spcAft>
+                <a:spcPts val="0"/>
+              </a:spcAft>
+              <a:buClr>
+                <a:srgbClr val="000000"/>
+              </a:buClr>
+              <a:buSzPts val="2000"/>
+              <a:buFont typeface="Arial"/>
+              <a:buNone/>
+            </a:pPr>
+            <a:r>
+              <a:rPr lang="en" sz="1200">
+                <a:latin typeface="Rubik Medium"/>
+                <a:ea typeface="Rubik Medium"/>
+                <a:cs typeface="Rubik Medium"/>
+                <a:sym typeface="Rubik Medium"/>
+              </a:rPr>
+              <a:t>Link Project </a:t>
+            </a:r>
+            <a:r>
+              <a:rPr lang="en" sz="1200" u="sng">
+                <a:solidFill>
+                  <a:schemeClr val="hlink"/>
+                </a:solidFill>
+                <a:latin typeface="Rubik Medium"/>
+                <a:ea typeface="Rubik Medium"/>
+                <a:cs typeface="Rubik Medium"/>
+                <a:sym typeface="Rubik Medium"/>
+                <a:hlinkClick r:id="rId12"/>
+              </a:rPr>
+              <a:t>Here!</a:t>
+            </a:r>
+            <a:endParaRPr b="0" i="0" sz="1200" u="none" cap="none" strike="noStrike">
+              <a:solidFill>
+                <a:srgbClr val="000000"/>
+              </a:solidFill>
+              <a:latin typeface="Rubik Medium"/>
+              <a:ea typeface="Rubik Medium"/>
+              <a:cs typeface="Rubik Medium"/>
+              <a:sym typeface="Rubik Medium"/>
+            </a:endParaRPr>
+          </a:p>
+        </p:txBody>
+      </p:sp>
     </p:spTree>
   </p:cSld>
   <p:clrMapOvr>
@@ -15185,7 +15223,7 @@
   <p:cSld>
     <p:spTree>
       <p:nvGrpSpPr>
-        <p:cNvPr id="84" name="Shape 84"/>
+        <p:cNvPr id="85" name="Shape 85"/>
         <p:cNvGrpSpPr/>
         <p:nvPr/>
       </p:nvGrpSpPr>
@@ -15199,7 +15237,7 @@
       </p:grpSpPr>
       <p:pic>
         <p:nvPicPr>
-          <p:cNvPr id="85" name="Google Shape;85;p4"/>
+          <p:cNvPr id="86" name="Google Shape;86;p4"/>
           <p:cNvPicPr preferRelativeResize="0"/>
           <p:nvPr/>
         </p:nvPicPr>
@@ -15226,7 +15264,7 @@
       </p:pic>
       <p:pic>
         <p:nvPicPr>
-          <p:cNvPr id="86" name="Google Shape;86;p4"/>
+          <p:cNvPr id="87" name="Google Shape;87;p4"/>
           <p:cNvPicPr preferRelativeResize="0"/>
           <p:nvPr/>
         </p:nvPicPr>
@@ -15253,7 +15291,7 @@
       </p:pic>
       <p:sp>
         <p:nvSpPr>
-          <p:cNvPr id="87" name="Google Shape;87;p4"/>
+          <p:cNvPr id="88" name="Google Shape;88;p4"/>
           <p:cNvSpPr txBox="1"/>
           <p:nvPr/>
         </p:nvSpPr>
@@ -15337,7 +15375,7 @@
       </p:sp>
       <p:sp>
         <p:nvSpPr>
-          <p:cNvPr id="88" name="Google Shape;88;p4"/>
+          <p:cNvPr id="89" name="Google Shape;89;p4"/>
           <p:cNvSpPr txBox="1"/>
           <p:nvPr/>
         </p:nvSpPr>
@@ -15422,7 +15460,7 @@
       </p:sp>
       <p:pic>
         <p:nvPicPr>
-          <p:cNvPr id="89" name="Google Shape;89;p4"/>
+          <p:cNvPr id="90" name="Google Shape;90;p4"/>
           <p:cNvPicPr preferRelativeResize="0"/>
           <p:nvPr/>
         </p:nvPicPr>
@@ -15449,7 +15487,7 @@
       </p:pic>
       <p:pic>
         <p:nvPicPr>
-          <p:cNvPr id="90" name="Google Shape;90;p4"/>
+          <p:cNvPr id="91" name="Google Shape;91;p4"/>
           <p:cNvPicPr preferRelativeResize="0"/>
           <p:nvPr/>
         </p:nvPicPr>
@@ -15487,7 +15525,7 @@
   <p:cSld>
     <p:spTree>
       <p:nvGrpSpPr>
-        <p:cNvPr id="94" name="Shape 94"/>
+        <p:cNvPr id="95" name="Shape 95"/>
         <p:cNvGrpSpPr/>
         <p:nvPr/>
       </p:nvGrpSpPr>
@@ -15501,7 +15539,7 @@
       </p:grpSpPr>
       <p:pic>
         <p:nvPicPr>
-          <p:cNvPr id="95" name="Google Shape;95;g265ee868302_0_99"/>
+          <p:cNvPr id="96" name="Google Shape;96;g265ee868302_0_99"/>
           <p:cNvPicPr preferRelativeResize="0"/>
           <p:nvPr/>
         </p:nvPicPr>
@@ -15528,7 +15566,7 @@
       </p:pic>
       <p:sp>
         <p:nvSpPr>
-          <p:cNvPr id="96" name="Google Shape;96;g265ee868302_0_99"/>
+          <p:cNvPr id="97" name="Google Shape;97;g265ee868302_0_99"/>
           <p:cNvSpPr txBox="1"/>
           <p:nvPr/>
         </p:nvSpPr>
@@ -15606,7 +15644,7 @@
       </p:sp>
       <p:sp>
         <p:nvSpPr>
-          <p:cNvPr id="97" name="Google Shape;97;g265ee868302_0_99"/>
+          <p:cNvPr id="98" name="Google Shape;98;g265ee868302_0_99"/>
           <p:cNvSpPr txBox="1"/>
           <p:nvPr/>
         </p:nvSpPr>
@@ -15691,7 +15729,7 @@
       </p:sp>
       <p:sp>
         <p:nvSpPr>
-          <p:cNvPr id="98" name="Google Shape;98;g265ee868302_0_99"/>
+          <p:cNvPr id="99" name="Google Shape;99;g265ee868302_0_99"/>
           <p:cNvSpPr txBox="1"/>
           <p:nvPr/>
         </p:nvSpPr>
@@ -15770,7 +15808,7 @@
       </p:sp>
       <p:sp>
         <p:nvSpPr>
-          <p:cNvPr id="99" name="Google Shape;99;g265ee868302_0_99"/>
+          <p:cNvPr id="100" name="Google Shape;100;g265ee868302_0_99"/>
           <p:cNvSpPr txBox="1"/>
           <p:nvPr/>
         </p:nvSpPr>
@@ -15836,7 +15874,7 @@
       </p:sp>
       <p:sp>
         <p:nvSpPr>
-          <p:cNvPr id="100" name="Google Shape;100;g265ee868302_0_99"/>
+          <p:cNvPr id="101" name="Google Shape;101;g265ee868302_0_99"/>
           <p:cNvSpPr txBox="1"/>
           <p:nvPr/>
         </p:nvSpPr>
@@ -16069,7 +16107,7 @@
       </p:sp>
       <p:sp>
         <p:nvSpPr>
-          <p:cNvPr id="101" name="Google Shape;101;g265ee868302_0_99"/>
+          <p:cNvPr id="102" name="Google Shape;102;g265ee868302_0_99"/>
           <p:cNvSpPr txBox="1"/>
           <p:nvPr/>
         </p:nvSpPr>
@@ -16135,7 +16173,7 @@
       </p:sp>
       <p:pic>
         <p:nvPicPr>
-          <p:cNvPr id="102" name="Google Shape;102;g265ee868302_0_99"/>
+          <p:cNvPr id="103" name="Google Shape;103;g265ee868302_0_99"/>
           <p:cNvPicPr preferRelativeResize="0"/>
           <p:nvPr/>
         </p:nvPicPr>
@@ -16162,7 +16200,7 @@
       </p:pic>
       <p:pic>
         <p:nvPicPr>
-          <p:cNvPr id="103" name="Google Shape;103;g265ee868302_0_99"/>
+          <p:cNvPr id="104" name="Google Shape;104;g265ee868302_0_99"/>
           <p:cNvPicPr preferRelativeResize="0"/>
           <p:nvPr/>
         </p:nvPicPr>
@@ -16200,7 +16238,7 @@
   <p:cSld>
     <p:spTree>
       <p:nvGrpSpPr>
-        <p:cNvPr id="107" name="Shape 107"/>
+        <p:cNvPr id="108" name="Shape 108"/>
         <p:cNvGrpSpPr/>
         <p:nvPr/>
       </p:nvGrpSpPr>
@@ -16214,7 +16252,7 @@
       </p:grpSpPr>
       <p:pic>
         <p:nvPicPr>
-          <p:cNvPr id="108" name="Google Shape;108;g3434270dffa_0_14"/>
+          <p:cNvPr id="109" name="Google Shape;109;g3434270dffa_0_14"/>
           <p:cNvPicPr preferRelativeResize="0"/>
           <p:nvPr/>
         </p:nvPicPr>
@@ -16241,7 +16279,7 @@
       </p:pic>
       <p:sp>
         <p:nvSpPr>
-          <p:cNvPr id="109" name="Google Shape;109;g3434270dffa_0_14"/>
+          <p:cNvPr id="110" name="Google Shape;110;g3434270dffa_0_14"/>
           <p:cNvSpPr txBox="1"/>
           <p:nvPr/>
         </p:nvSpPr>
@@ -16326,7 +16364,7 @@
       </p:sp>
       <p:sp>
         <p:nvSpPr>
-          <p:cNvPr id="110" name="Google Shape;110;g3434270dffa_0_14"/>
+          <p:cNvPr id="111" name="Google Shape;111;g3434270dffa_0_14"/>
           <p:cNvSpPr txBox="1"/>
           <p:nvPr/>
         </p:nvSpPr>
@@ -16552,7 +16590,7 @@
       </p:sp>
       <p:pic>
         <p:nvPicPr>
-          <p:cNvPr id="111" name="Google Shape;111;g3434270dffa_0_14"/>
+          <p:cNvPr id="112" name="Google Shape;112;g3434270dffa_0_14"/>
           <p:cNvPicPr preferRelativeResize="0"/>
           <p:nvPr/>
         </p:nvPicPr>
@@ -16579,7 +16617,7 @@
       </p:pic>
       <p:pic>
         <p:nvPicPr>
-          <p:cNvPr id="112" name="Google Shape;112;g3434270dffa_0_14"/>
+          <p:cNvPr id="113" name="Google Shape;113;g3434270dffa_0_14"/>
           <p:cNvPicPr preferRelativeResize="0"/>
           <p:nvPr/>
         </p:nvPicPr>
@@ -16606,7 +16644,7 @@
       </p:pic>
       <p:sp>
         <p:nvSpPr>
-          <p:cNvPr id="113" name="Google Shape;113;g3434270dffa_0_14"/>
+          <p:cNvPr id="114" name="Google Shape;114;g3434270dffa_0_14"/>
           <p:cNvSpPr txBox="1"/>
           <p:nvPr/>
         </p:nvSpPr>
@@ -16696,7 +16734,7 @@
   <p:cSld>
     <p:spTree>
       <p:nvGrpSpPr>
-        <p:cNvPr id="117" name="Shape 117"/>
+        <p:cNvPr id="118" name="Shape 118"/>
         <p:cNvGrpSpPr/>
         <p:nvPr/>
       </p:nvGrpSpPr>
@@ -16710,7 +16748,7 @@
       </p:grpSpPr>
       <p:pic>
         <p:nvPicPr>
-          <p:cNvPr id="118" name="Google Shape;118;g23ec2985a68_1_33"/>
+          <p:cNvPr id="119" name="Google Shape;119;g23ec2985a68_1_33"/>
           <p:cNvPicPr preferRelativeResize="0"/>
           <p:nvPr/>
         </p:nvPicPr>
@@ -16737,7 +16775,7 @@
       </p:pic>
       <p:sp>
         <p:nvSpPr>
-          <p:cNvPr id="119" name="Google Shape;119;g23ec2985a68_1_33"/>
+          <p:cNvPr id="120" name="Google Shape;120;g23ec2985a68_1_33"/>
           <p:cNvSpPr txBox="1"/>
           <p:nvPr/>
         </p:nvSpPr>
@@ -16810,7 +16848,7 @@
       </p:sp>
       <p:pic>
         <p:nvPicPr>
-          <p:cNvPr id="120" name="Google Shape;120;g23ec2985a68_1_33"/>
+          <p:cNvPr id="121" name="Google Shape;121;g23ec2985a68_1_33"/>
           <p:cNvPicPr preferRelativeResize="0"/>
           <p:nvPr/>
         </p:nvPicPr>
@@ -16838,7 +16876,7 @@
       </p:pic>
       <p:pic>
         <p:nvPicPr>
-          <p:cNvPr id="121" name="Google Shape;121;g23ec2985a68_1_33"/>
+          <p:cNvPr id="122" name="Google Shape;122;g23ec2985a68_1_33"/>
           <p:cNvPicPr preferRelativeResize="0"/>
           <p:nvPr/>
         </p:nvPicPr>
@@ -16865,7 +16903,7 @@
       </p:pic>
       <p:sp>
         <p:nvSpPr>
-          <p:cNvPr id="122" name="Google Shape;122;g23ec2985a68_1_33"/>
+          <p:cNvPr id="123" name="Google Shape;123;g23ec2985a68_1_33"/>
           <p:cNvSpPr/>
           <p:nvPr/>
         </p:nvSpPr>
@@ -16914,7 +16952,7 @@
       </p:sp>
       <p:sp>
         <p:nvSpPr>
-          <p:cNvPr id="123" name="Google Shape;123;g23ec2985a68_1_33"/>
+          <p:cNvPr id="124" name="Google Shape;124;g23ec2985a68_1_33"/>
           <p:cNvSpPr txBox="1"/>
           <p:nvPr/>
         </p:nvSpPr>
@@ -16972,7 +17010,7 @@
       </p:sp>
       <p:pic>
         <p:nvPicPr>
-          <p:cNvPr id="124" name="Google Shape;124;g23ec2985a68_1_33"/>
+          <p:cNvPr id="125" name="Google Shape;125;g23ec2985a68_1_33"/>
           <p:cNvPicPr preferRelativeResize="0"/>
           <p:nvPr/>
         </p:nvPicPr>
@@ -16999,9 +17037,9 @@
       </p:pic>
       <p:cxnSp>
         <p:nvCxnSpPr>
-          <p:cNvPr id="125" name="Google Shape;125;g23ec2985a68_1_33"/>
+          <p:cNvPr id="126" name="Google Shape;126;g23ec2985a68_1_33"/>
           <p:cNvCxnSpPr>
-            <a:stCxn id="122" idx="3"/>
+            <a:stCxn id="123" idx="3"/>
           </p:cNvCxnSpPr>
           <p:nvPr/>
         </p:nvCxnSpPr>
@@ -17027,7 +17065,7 @@
       </p:cxnSp>
       <p:sp>
         <p:nvSpPr>
-          <p:cNvPr id="126" name="Google Shape;126;g23ec2985a68_1_33"/>
+          <p:cNvPr id="127" name="Google Shape;127;g23ec2985a68_1_33"/>
           <p:cNvSpPr/>
           <p:nvPr/>
         </p:nvSpPr>
@@ -17076,7 +17114,7 @@
       </p:sp>
       <p:sp>
         <p:nvSpPr>
-          <p:cNvPr id="127" name="Google Shape;127;g23ec2985a68_1_33"/>
+          <p:cNvPr id="128" name="Google Shape;128;g23ec2985a68_1_33"/>
           <p:cNvSpPr txBox="1"/>
           <p:nvPr/>
         </p:nvSpPr>
@@ -17134,7 +17172,7 @@
       </p:sp>
       <p:sp>
         <p:nvSpPr>
-          <p:cNvPr id="128" name="Google Shape;128;g23ec2985a68_1_33"/>
+          <p:cNvPr id="129" name="Google Shape;129;g23ec2985a68_1_33"/>
           <p:cNvSpPr txBox="1"/>
           <p:nvPr/>
         </p:nvSpPr>
@@ -17389,7 +17427,7 @@
       </p:sp>
       <p:sp>
         <p:nvSpPr>
-          <p:cNvPr id="129" name="Google Shape;129;g23ec2985a68_1_33"/>
+          <p:cNvPr id="130" name="Google Shape;130;g23ec2985a68_1_33"/>
           <p:cNvSpPr txBox="1"/>
           <p:nvPr/>
         </p:nvSpPr>
@@ -17740,7 +17778,7 @@
       </p:sp>
       <p:sp>
         <p:nvSpPr>
-          <p:cNvPr id="130" name="Google Shape;130;g23ec2985a68_1_33"/>
+          <p:cNvPr id="131" name="Google Shape;131;g23ec2985a68_1_33"/>
           <p:cNvSpPr/>
           <p:nvPr/>
         </p:nvSpPr>
@@ -17791,7 +17829,7 @@
       </p:sp>
       <p:pic>
         <p:nvPicPr>
-          <p:cNvPr id="131" name="Google Shape;131;g23ec2985a68_1_33"/>
+          <p:cNvPr id="132" name="Google Shape;132;g23ec2985a68_1_33"/>
           <p:cNvPicPr preferRelativeResize="0"/>
           <p:nvPr/>
         </p:nvPicPr>
@@ -17836,7 +17874,7 @@
   <p:cSld>
     <p:spTree>
       <p:nvGrpSpPr>
-        <p:cNvPr id="135" name="Shape 135"/>
+        <p:cNvPr id="136" name="Shape 136"/>
         <p:cNvGrpSpPr/>
         <p:nvPr/>
       </p:nvGrpSpPr>
@@ -17850,7 +17888,7 @@
       </p:grpSpPr>
       <p:pic>
         <p:nvPicPr>
-          <p:cNvPr id="136" name="Google Shape;136;g3434270dffa_0_57"/>
+          <p:cNvPr id="137" name="Google Shape;137;g3434270dffa_0_57"/>
           <p:cNvPicPr preferRelativeResize="0"/>
           <p:nvPr/>
         </p:nvPicPr>
@@ -17877,7 +17915,7 @@
       </p:pic>
       <p:sp>
         <p:nvSpPr>
-          <p:cNvPr id="137" name="Google Shape;137;g3434270dffa_0_57"/>
+          <p:cNvPr id="138" name="Google Shape;138;g3434270dffa_0_57"/>
           <p:cNvSpPr txBox="1"/>
           <p:nvPr/>
         </p:nvSpPr>
@@ -17950,7 +17988,7 @@
       </p:sp>
       <p:pic>
         <p:nvPicPr>
-          <p:cNvPr id="138" name="Google Shape;138;g3434270dffa_0_57"/>
+          <p:cNvPr id="139" name="Google Shape;139;g3434270dffa_0_57"/>
           <p:cNvPicPr preferRelativeResize="0"/>
           <p:nvPr/>
         </p:nvPicPr>
@@ -17977,7 +18015,7 @@
       </p:pic>
       <p:pic>
         <p:nvPicPr>
-          <p:cNvPr id="139" name="Google Shape;139;g3434270dffa_0_57"/>
+          <p:cNvPr id="140" name="Google Shape;140;g3434270dffa_0_57"/>
           <p:cNvPicPr preferRelativeResize="0"/>
           <p:nvPr/>
         </p:nvPicPr>
@@ -18004,7 +18042,7 @@
       </p:pic>
       <p:sp>
         <p:nvSpPr>
-          <p:cNvPr id="140" name="Google Shape;140;g3434270dffa_0_57"/>
+          <p:cNvPr id="141" name="Google Shape;141;g3434270dffa_0_57"/>
           <p:cNvSpPr txBox="1"/>
           <p:nvPr/>
         </p:nvSpPr>
@@ -18764,7 +18802,7 @@
       </p:sp>
       <p:sp>
         <p:nvSpPr>
-          <p:cNvPr id="141" name="Google Shape;141;g3434270dffa_0_57"/>
+          <p:cNvPr id="142" name="Google Shape;142;g3434270dffa_0_57"/>
           <p:cNvSpPr txBox="1"/>
           <p:nvPr/>
         </p:nvSpPr>
@@ -19277,7 +19315,7 @@
       </p:sp>
       <p:sp>
         <p:nvSpPr>
-          <p:cNvPr id="142" name="Google Shape;142;g3434270dffa_0_57"/>
+          <p:cNvPr id="143" name="Google Shape;143;g3434270dffa_0_57"/>
           <p:cNvSpPr/>
           <p:nvPr/>
         </p:nvSpPr>
@@ -19326,7 +19364,7 @@
       </p:sp>
       <p:sp>
         <p:nvSpPr>
-          <p:cNvPr id="143" name="Google Shape;143;g3434270dffa_0_57"/>
+          <p:cNvPr id="144" name="Google Shape;144;g3434270dffa_0_57"/>
           <p:cNvSpPr/>
           <p:nvPr/>
         </p:nvSpPr>
@@ -19375,7 +19413,7 @@
       </p:sp>
       <p:sp>
         <p:nvSpPr>
-          <p:cNvPr id="144" name="Google Shape;144;g3434270dffa_0_57"/>
+          <p:cNvPr id="145" name="Google Shape;145;g3434270dffa_0_57"/>
           <p:cNvSpPr/>
           <p:nvPr/>
         </p:nvSpPr>
@@ -19435,7 +19473,7 @@
   <p:cSld>
     <p:spTree>
       <p:nvGrpSpPr>
-        <p:cNvPr id="148" name="Shape 148"/>
+        <p:cNvPr id="149" name="Shape 149"/>
         <p:cNvGrpSpPr/>
         <p:nvPr/>
       </p:nvGrpSpPr>
@@ -19449,7 +19487,7 @@
       </p:grpSpPr>
       <p:pic>
         <p:nvPicPr>
-          <p:cNvPr id="149" name="Google Shape;149;g3439c1feabf_0_0"/>
+          <p:cNvPr id="150" name="Google Shape;150;g3439c1feabf_0_0"/>
           <p:cNvPicPr preferRelativeResize="0"/>
           <p:nvPr/>
         </p:nvPicPr>
@@ -19476,7 +19514,7 @@
       </p:pic>
       <p:sp>
         <p:nvSpPr>
-          <p:cNvPr id="150" name="Google Shape;150;g3439c1feabf_0_0"/>
+          <p:cNvPr id="151" name="Google Shape;151;g3439c1feabf_0_0"/>
           <p:cNvSpPr txBox="1"/>
           <p:nvPr/>
         </p:nvSpPr>
@@ -19549,7 +19587,7 @@
       </p:sp>
       <p:pic>
         <p:nvPicPr>
-          <p:cNvPr id="151" name="Google Shape;151;g3439c1feabf_0_0"/>
+          <p:cNvPr id="152" name="Google Shape;152;g3439c1feabf_0_0"/>
           <p:cNvPicPr preferRelativeResize="0"/>
           <p:nvPr/>
         </p:nvPicPr>
@@ -19576,7 +19614,7 @@
       </p:pic>
       <p:pic>
         <p:nvPicPr>
-          <p:cNvPr id="152" name="Google Shape;152;g3439c1feabf_0_0"/>
+          <p:cNvPr id="153" name="Google Shape;153;g3439c1feabf_0_0"/>
           <p:cNvPicPr preferRelativeResize="0"/>
           <p:nvPr/>
         </p:nvPicPr>
@@ -19603,7 +19641,7 @@
       </p:pic>
       <p:pic>
         <p:nvPicPr>
-          <p:cNvPr id="153" name="Google Shape;153;g3439c1feabf_0_0"/>
+          <p:cNvPr id="154" name="Google Shape;154;g3439c1feabf_0_0"/>
           <p:cNvPicPr preferRelativeResize="0"/>
           <p:nvPr/>
         </p:nvPicPr>
@@ -19631,7 +19669,7 @@
       </p:pic>
       <p:sp>
         <p:nvSpPr>
-          <p:cNvPr id="154" name="Google Shape;154;g3439c1feabf_0_0"/>
+          <p:cNvPr id="155" name="Google Shape;155;g3439c1feabf_0_0"/>
           <p:cNvSpPr/>
           <p:nvPr/>
         </p:nvSpPr>
@@ -19691,7 +19729,7 @@
   <p:cSld>
     <p:spTree>
       <p:nvGrpSpPr>
-        <p:cNvPr id="158" name="Shape 158"/>
+        <p:cNvPr id="159" name="Shape 159"/>
         <p:cNvGrpSpPr/>
         <p:nvPr/>
       </p:nvGrpSpPr>
@@ -19705,7 +19743,7 @@
       </p:grpSpPr>
       <p:pic>
         <p:nvPicPr>
-          <p:cNvPr id="159" name="Google Shape;159;g23ec2985a68_1_42"/>
+          <p:cNvPr id="160" name="Google Shape;160;g23ec2985a68_1_42"/>
           <p:cNvPicPr preferRelativeResize="0"/>
           <p:nvPr/>
         </p:nvPicPr>
@@ -19732,7 +19770,7 @@
       </p:pic>
       <p:sp>
         <p:nvSpPr>
-          <p:cNvPr id="160" name="Google Shape;160;g23ec2985a68_1_42"/>
+          <p:cNvPr id="161" name="Google Shape;161;g23ec2985a68_1_42"/>
           <p:cNvSpPr txBox="1"/>
           <p:nvPr/>
         </p:nvSpPr>
@@ -19805,7 +19843,7 @@
       </p:sp>
       <p:pic>
         <p:nvPicPr>
-          <p:cNvPr id="161" name="Google Shape;161;g23ec2985a68_1_42"/>
+          <p:cNvPr id="162" name="Google Shape;162;g23ec2985a68_1_42"/>
           <p:cNvPicPr preferRelativeResize="0"/>
           <p:nvPr/>
         </p:nvPicPr>
@@ -19832,7 +19870,7 @@
       </p:pic>
       <p:pic>
         <p:nvPicPr>
-          <p:cNvPr id="162" name="Google Shape;162;g23ec2985a68_1_42"/>
+          <p:cNvPr id="163" name="Google Shape;163;g23ec2985a68_1_42"/>
           <p:cNvPicPr preferRelativeResize="0"/>
           <p:nvPr/>
         </p:nvPicPr>
@@ -19859,7 +19897,7 @@
       </p:pic>
       <p:sp>
         <p:nvSpPr>
-          <p:cNvPr id="163" name="Google Shape;163;g23ec2985a68_1_42"/>
+          <p:cNvPr id="164" name="Google Shape;164;g23ec2985a68_1_42"/>
           <p:cNvSpPr txBox="1"/>
           <p:nvPr/>
         </p:nvSpPr>
@@ -19929,7 +19967,7 @@
       </p:sp>
       <p:pic>
         <p:nvPicPr>
-          <p:cNvPr id="164" name="Google Shape;164;g23ec2985a68_1_42"/>
+          <p:cNvPr id="165" name="Google Shape;165;g23ec2985a68_1_42"/>
           <p:cNvPicPr preferRelativeResize="0"/>
           <p:nvPr/>
         </p:nvPicPr>
@@ -19971,6 +20009,285 @@
 </file>
 
 <file path=ppt/theme/theme1.xml><?xml version="1.0" encoding="utf-8"?>
+<a:theme xmlns:a="http://schemas.openxmlformats.org/drawingml/2006/main" xmlns:r="http://schemas.openxmlformats.org/officeDocument/2006/relationships" name="Simple Light">
+  <a:themeElements>
+    <a:clrScheme name="Simple Light">
+      <a:dk1>
+        <a:srgbClr val="000000"/>
+      </a:dk1>
+      <a:lt1>
+        <a:srgbClr val="FFFFFF"/>
+      </a:lt1>
+      <a:dk2>
+        <a:srgbClr val="595959"/>
+      </a:dk2>
+      <a:lt2>
+        <a:srgbClr val="EEEEEE"/>
+      </a:lt2>
+      <a:accent1>
+        <a:srgbClr val="4285F4"/>
+      </a:accent1>
+      <a:accent2>
+        <a:srgbClr val="212121"/>
+      </a:accent2>
+      <a:accent3>
+        <a:srgbClr val="78909C"/>
+      </a:accent3>
+      <a:accent4>
+        <a:srgbClr val="FFAB40"/>
+      </a:accent4>
+      <a:accent5>
+        <a:srgbClr val="0097A7"/>
+      </a:accent5>
+      <a:accent6>
+        <a:srgbClr val="EEFF41"/>
+      </a:accent6>
+      <a:hlink>
+        <a:srgbClr val="0097A7"/>
+      </a:hlink>
+      <a:folHlink>
+        <a:srgbClr val="0097A7"/>
+      </a:folHlink>
+    </a:clrScheme>
+    <a:fontScheme name="Office">
+      <a:majorFont>
+        <a:latin typeface="Arial"/>
+        <a:ea typeface=""/>
+        <a:cs typeface=""/>
+        <a:font script="Jpan" typeface="ＭＳ Ｐゴシック"/>
+        <a:font script="Hang" typeface="맑은 고딕"/>
+        <a:font script="Hans" typeface="宋体"/>
+        <a:font script="Hant" typeface="新細明體"/>
+        <a:font script="Arab" typeface="Times New Roman"/>
+        <a:font script="Hebr" typeface="Times New Roman"/>
+        <a:font script="Thai" typeface="Angsana New"/>
+        <a:font script="Ethi" typeface="Nyala"/>
+        <a:font script="Beng" typeface="Vrinda"/>
+        <a:font script="Gujr" typeface="Shruti"/>
+        <a:font script="Khmr" typeface="MoolBoran"/>
+        <a:font script="Knda" typeface="Tunga"/>
+        <a:font script="Guru" typeface="Raavi"/>
+        <a:font script="Cans" typeface="Euphemia"/>
+        <a:font script="Cher" typeface="Plantagenet Cherokee"/>
+        <a:font script="Yiii" typeface="Microsoft Yi Baiti"/>
+        <a:font script="Tibt" typeface="Microsoft Himalaya"/>
+        <a:font script="Thaa" typeface="MV Boli"/>
+        <a:font script="Deva" typeface="Mangal"/>
+        <a:font script="Telu" typeface="Gautami"/>
+        <a:font script="Taml" typeface="Latha"/>
+        <a:font script="Syrc" typeface="Estrangelo Edessa"/>
+        <a:font script="Orya" typeface="Kalinga"/>
+        <a:font script="Mlym" typeface="Kartika"/>
+        <a:font script="Laoo" typeface="DokChampa"/>
+        <a:font script="Sinh" typeface="Iskoola Pota"/>
+        <a:font script="Mong" typeface="Mongolian Baiti"/>
+        <a:font script="Viet" typeface="Times New Roman"/>
+        <a:font script="Uigh" typeface="Microsoft Uighur"/>
+        <a:font script="Geor" typeface="Sylfaen"/>
+      </a:majorFont>
+      <a:minorFont>
+        <a:latin typeface="Arial"/>
+        <a:ea typeface=""/>
+        <a:cs typeface=""/>
+        <a:font script="Jpan" typeface="ＭＳ Ｐゴシック"/>
+        <a:font script="Hang" typeface="맑은 고딕"/>
+        <a:font script="Hans" typeface="宋体"/>
+        <a:font script="Hant" typeface="新細明體"/>
+        <a:font script="Arab" typeface="Arial"/>
+        <a:font script="Hebr" typeface="Arial"/>
+        <a:font script="Thai" typeface="Cordia New"/>
+        <a:font script="Ethi" typeface="Nyala"/>
+        <a:font script="Beng" typeface="Vrinda"/>
+        <a:font script="Gujr" typeface="Shruti"/>
+        <a:font script="Khmr" typeface="DaunPenh"/>
+        <a:font script="Knda" typeface="Tunga"/>
+        <a:font script="Guru" typeface="Raavi"/>
+        <a:font script="Cans" typeface="Euphemia"/>
+        <a:font script="Cher" typeface="Plantagenet Cherokee"/>
+        <a:font script="Yiii" typeface="Microsoft Yi Baiti"/>
+        <a:font script="Tibt" typeface="Microsoft Himalaya"/>
+        <a:font script="Thaa" typeface="MV Boli"/>
+        <a:font script="Deva" typeface="Mangal"/>
+        <a:font script="Telu" typeface="Gautami"/>
+        <a:font script="Taml" typeface="Latha"/>
+        <a:font script="Syrc" typeface="Estrangelo Edessa"/>
+        <a:font script="Orya" typeface="Kalinga"/>
+        <a:font script="Mlym" typeface="Kartika"/>
+        <a:font script="Laoo" typeface="DokChampa"/>
+        <a:font script="Sinh" typeface="Iskoola Pota"/>
+        <a:font script="Mong" typeface="Mongolian Baiti"/>
+        <a:font script="Viet" typeface="Arial"/>
+        <a:font script="Uigh" typeface="Microsoft Uighur"/>
+        <a:font script="Geor" typeface="Sylfaen"/>
+      </a:minorFont>
+    </a:fontScheme>
+    <a:fmtScheme name="Office">
+      <a:fillStyleLst>
+        <a:solidFill>
+          <a:schemeClr val="phClr"/>
+        </a:solidFill>
+        <a:gradFill rotWithShape="1">
+          <a:gsLst>
+            <a:gs pos="0">
+              <a:schemeClr val="phClr">
+                <a:tint val="50000"/>
+                <a:satMod val="300000"/>
+              </a:schemeClr>
+            </a:gs>
+            <a:gs pos="35000">
+              <a:schemeClr val="phClr">
+                <a:tint val="37000"/>
+                <a:satMod val="300000"/>
+              </a:schemeClr>
+            </a:gs>
+            <a:gs pos="100000">
+              <a:schemeClr val="phClr">
+                <a:tint val="15000"/>
+                <a:satMod val="350000"/>
+              </a:schemeClr>
+            </a:gs>
+          </a:gsLst>
+          <a:lin ang="16200000" scaled="1"/>
+        </a:gradFill>
+        <a:gradFill rotWithShape="1">
+          <a:gsLst>
+            <a:gs pos="0">
+              <a:schemeClr val="phClr">
+                <a:tint val="100000"/>
+                <a:shade val="100000"/>
+                <a:satMod val="130000"/>
+              </a:schemeClr>
+            </a:gs>
+            <a:gs pos="100000">
+              <a:schemeClr val="phClr">
+                <a:tint val="50000"/>
+                <a:shade val="100000"/>
+                <a:satMod val="350000"/>
+              </a:schemeClr>
+            </a:gs>
+          </a:gsLst>
+          <a:lin ang="16200000" scaled="0"/>
+        </a:gradFill>
+      </a:fillStyleLst>
+      <a:lnStyleLst>
+        <a:ln w="9525" cap="flat" cmpd="sng" algn="ctr">
+          <a:solidFill>
+            <a:schemeClr val="phClr">
+              <a:shade val="95000"/>
+              <a:satMod val="105000"/>
+            </a:schemeClr>
+          </a:solidFill>
+          <a:prstDash val="solid"/>
+        </a:ln>
+        <a:ln w="25400" cap="flat" cmpd="sng" algn="ctr">
+          <a:solidFill>
+            <a:schemeClr val="phClr"/>
+          </a:solidFill>
+          <a:prstDash val="solid"/>
+        </a:ln>
+        <a:ln w="38100" cap="flat" cmpd="sng" algn="ctr">
+          <a:solidFill>
+            <a:schemeClr val="phClr"/>
+          </a:solidFill>
+          <a:prstDash val="solid"/>
+        </a:ln>
+      </a:lnStyleLst>
+      <a:effectStyleLst>
+        <a:effectStyle>
+          <a:effectLst>
+            <a:outerShdw blurRad="40000" dist="20000" dir="5400000" rotWithShape="0">
+              <a:srgbClr val="000000">
+                <a:alpha val="38000"/>
+              </a:srgbClr>
+            </a:outerShdw>
+          </a:effectLst>
+        </a:effectStyle>
+        <a:effectStyle>
+          <a:effectLst>
+            <a:outerShdw blurRad="40000" dist="23000" dir="5400000" rotWithShape="0">
+              <a:srgbClr val="000000">
+                <a:alpha val="35000"/>
+              </a:srgbClr>
+            </a:outerShdw>
+          </a:effectLst>
+        </a:effectStyle>
+        <a:effectStyle>
+          <a:effectLst>
+            <a:outerShdw blurRad="40000" dist="23000" dir="5400000" rotWithShape="0">
+              <a:srgbClr val="000000">
+                <a:alpha val="35000"/>
+              </a:srgbClr>
+            </a:outerShdw>
+          </a:effectLst>
+          <a:scene3d>
+            <a:camera prst="orthographicFront">
+              <a:rot lat="0" lon="0" rev="0"/>
+            </a:camera>
+            <a:lightRig rig="threePt" dir="t">
+              <a:rot lat="0" lon="0" rev="1200000"/>
+            </a:lightRig>
+          </a:scene3d>
+          <a:sp3d>
+            <a:bevelT w="63500" h="25400"/>
+          </a:sp3d>
+        </a:effectStyle>
+      </a:effectStyleLst>
+      <a:bgFillStyleLst>
+        <a:solidFill>
+          <a:schemeClr val="phClr"/>
+        </a:solidFill>
+        <a:gradFill rotWithShape="1">
+          <a:gsLst>
+            <a:gs pos="0">
+              <a:schemeClr val="phClr">
+                <a:tint val="40000"/>
+                <a:satMod val="350000"/>
+              </a:schemeClr>
+            </a:gs>
+            <a:gs pos="40000">
+              <a:schemeClr val="phClr">
+                <a:tint val="45000"/>
+                <a:shade val="99000"/>
+                <a:satMod val="350000"/>
+              </a:schemeClr>
+            </a:gs>
+            <a:gs pos="100000">
+              <a:schemeClr val="phClr">
+                <a:shade val="20000"/>
+                <a:satMod val="255000"/>
+              </a:schemeClr>
+            </a:gs>
+          </a:gsLst>
+          <a:path path="circle">
+            <a:fillToRect l="50000" t="-80000" r="50000" b="180000"/>
+          </a:path>
+        </a:gradFill>
+        <a:gradFill rotWithShape="1">
+          <a:gsLst>
+            <a:gs pos="0">
+              <a:schemeClr val="phClr">
+                <a:tint val="80000"/>
+                <a:satMod val="300000"/>
+              </a:schemeClr>
+            </a:gs>
+            <a:gs pos="100000">
+              <a:schemeClr val="phClr">
+                <a:shade val="30000"/>
+                <a:satMod val="200000"/>
+              </a:schemeClr>
+            </a:gs>
+          </a:gsLst>
+          <a:path path="circle">
+            <a:fillToRect l="50000" t="50000" r="50000" b="50000"/>
+          </a:path>
+        </a:gradFill>
+      </a:bgFillStyleLst>
+    </a:fmtScheme>
+  </a:themeElements>
+</a:theme>
+</file>
+
+<file path=ppt/theme/theme2.xml><?xml version="1.0" encoding="utf-8"?>
 <a:theme xmlns:a="http://schemas.openxmlformats.org/drawingml/2006/main" xmlns:r="http://schemas.openxmlformats.org/officeDocument/2006/relationships">
   <a:themeElements>
     <a:clrScheme name="Default">
@@ -20247,283 +20564,4 @@
     </a:fmtScheme>
   </a:themeElements>
 </a:theme>
-</file>
-
-<file path=ppt/theme/theme2.xml><?xml version="1.0" encoding="utf-8"?>
-<a:theme xmlns:a="http://schemas.openxmlformats.org/drawingml/2006/main" xmlns:r="http://schemas.openxmlformats.org/officeDocument/2006/relationships" name="Simple Light">
-  <a:themeElements>
-    <a:clrScheme name="Simple Light">
-      <a:dk1>
-        <a:srgbClr val="000000"/>
-      </a:dk1>
-      <a:lt1>
-        <a:srgbClr val="FFFFFF"/>
-      </a:lt1>
-      <a:dk2>
-        <a:srgbClr val="595959"/>
-      </a:dk2>
-      <a:lt2>
-        <a:srgbClr val="EEEEEE"/>
-      </a:lt2>
-      <a:accent1>
-        <a:srgbClr val="4285F4"/>
-      </a:accent1>
-      <a:accent2>
-        <a:srgbClr val="212121"/>
-      </a:accent2>
-      <a:accent3>
-        <a:srgbClr val="78909C"/>
-      </a:accent3>
-      <a:accent4>
-        <a:srgbClr val="FFAB40"/>
-      </a:accent4>
-      <a:accent5>
-        <a:srgbClr val="0097A7"/>
-      </a:accent5>
-      <a:accent6>
-        <a:srgbClr val="EEFF41"/>
-      </a:accent6>
-      <a:hlink>
-        <a:srgbClr val="0097A7"/>
-      </a:hlink>
-      <a:folHlink>
-        <a:srgbClr val="0097A7"/>
-      </a:folHlink>
-    </a:clrScheme>
-    <a:fontScheme name="Office">
-      <a:majorFont>
-        <a:latin typeface="Arial"/>
-        <a:ea typeface=""/>
-        <a:cs typeface=""/>
-        <a:font script="Jpan" typeface="ＭＳ Ｐゴシック"/>
-        <a:font script="Hang" typeface="맑은 고딕"/>
-        <a:font script="Hans" typeface="宋体"/>
-        <a:font script="Hant" typeface="新細明體"/>
-        <a:font script="Arab" typeface="Times New Roman"/>
-        <a:font script="Hebr" typeface="Times New Roman"/>
-        <a:font script="Thai" typeface="Angsana New"/>
-        <a:font script="Ethi" typeface="Nyala"/>
-        <a:font script="Beng" typeface="Vrinda"/>
-        <a:font script="Gujr" typeface="Shruti"/>
-        <a:font script="Khmr" typeface="MoolBoran"/>
-        <a:font script="Knda" typeface="Tunga"/>
-        <a:font script="Guru" typeface="Raavi"/>
-        <a:font script="Cans" typeface="Euphemia"/>
-        <a:font script="Cher" typeface="Plantagenet Cherokee"/>
-        <a:font script="Yiii" typeface="Microsoft Yi Baiti"/>
-        <a:font script="Tibt" typeface="Microsoft Himalaya"/>
-        <a:font script="Thaa" typeface="MV Boli"/>
-        <a:font script="Deva" typeface="Mangal"/>
-        <a:font script="Telu" typeface="Gautami"/>
-        <a:font script="Taml" typeface="Latha"/>
-        <a:font script="Syrc" typeface="Estrangelo Edessa"/>
-        <a:font script="Orya" typeface="Kalinga"/>
-        <a:font script="Mlym" typeface="Kartika"/>
-        <a:font script="Laoo" typeface="DokChampa"/>
-        <a:font script="Sinh" typeface="Iskoola Pota"/>
-        <a:font script="Mong" typeface="Mongolian Baiti"/>
-        <a:font script="Viet" typeface="Times New Roman"/>
-        <a:font script="Uigh" typeface="Microsoft Uighur"/>
-        <a:font script="Geor" typeface="Sylfaen"/>
-      </a:majorFont>
-      <a:minorFont>
-        <a:latin typeface="Arial"/>
-        <a:ea typeface=""/>
-        <a:cs typeface=""/>
-        <a:font script="Jpan" typeface="ＭＳ Ｐゴシック"/>
-        <a:font script="Hang" typeface="맑은 고딕"/>
-        <a:font script="Hans" typeface="宋体"/>
-        <a:font script="Hant" typeface="新細明體"/>
-        <a:font script="Arab" typeface="Arial"/>
-        <a:font script="Hebr" typeface="Arial"/>
-        <a:font script="Thai" typeface="Cordia New"/>
-        <a:font script="Ethi" typeface="Nyala"/>
-        <a:font script="Beng" typeface="Vrinda"/>
-        <a:font script="Gujr" typeface="Shruti"/>
-        <a:font script="Khmr" typeface="DaunPenh"/>
-        <a:font script="Knda" typeface="Tunga"/>
-        <a:font script="Guru" typeface="Raavi"/>
-        <a:font script="Cans" typeface="Euphemia"/>
-        <a:font script="Cher" typeface="Plantagenet Cherokee"/>
-        <a:font script="Yiii" typeface="Microsoft Yi Baiti"/>
-        <a:font script="Tibt" typeface="Microsoft Himalaya"/>
-        <a:font script="Thaa" typeface="MV Boli"/>
-        <a:font script="Deva" typeface="Mangal"/>
-        <a:font script="Telu" typeface="Gautami"/>
-        <a:font script="Taml" typeface="Latha"/>
-        <a:font script="Syrc" typeface="Estrangelo Edessa"/>
-        <a:font script="Orya" typeface="Kalinga"/>
-        <a:font script="Mlym" typeface="Kartika"/>
-        <a:font script="Laoo" typeface="DokChampa"/>
-        <a:font script="Sinh" typeface="Iskoola Pota"/>
-        <a:font script="Mong" typeface="Mongolian Baiti"/>
-        <a:font script="Viet" typeface="Arial"/>
-        <a:font script="Uigh" typeface="Microsoft Uighur"/>
-        <a:font script="Geor" typeface="Sylfaen"/>
-      </a:minorFont>
-    </a:fontScheme>
-    <a:fmtScheme name="Office">
-      <a:fillStyleLst>
-        <a:solidFill>
-          <a:schemeClr val="phClr"/>
-        </a:solidFill>
-        <a:gradFill rotWithShape="1">
-          <a:gsLst>
-            <a:gs pos="0">
-              <a:schemeClr val="phClr">
-                <a:tint val="50000"/>
-                <a:satMod val="300000"/>
-              </a:schemeClr>
-            </a:gs>
-            <a:gs pos="35000">
-              <a:schemeClr val="phClr">
-                <a:tint val="37000"/>
-                <a:satMod val="300000"/>
-              </a:schemeClr>
-            </a:gs>
-            <a:gs pos="100000">
-              <a:schemeClr val="phClr">
-                <a:tint val="15000"/>
-                <a:satMod val="350000"/>
-              </a:schemeClr>
-            </a:gs>
-          </a:gsLst>
-          <a:lin ang="16200000" scaled="1"/>
-        </a:gradFill>
-        <a:gradFill rotWithShape="1">
-          <a:gsLst>
-            <a:gs pos="0">
-              <a:schemeClr val="phClr">
-                <a:tint val="100000"/>
-                <a:shade val="100000"/>
-                <a:satMod val="130000"/>
-              </a:schemeClr>
-            </a:gs>
-            <a:gs pos="100000">
-              <a:schemeClr val="phClr">
-                <a:tint val="50000"/>
-                <a:shade val="100000"/>
-                <a:satMod val="350000"/>
-              </a:schemeClr>
-            </a:gs>
-          </a:gsLst>
-          <a:lin ang="16200000" scaled="0"/>
-        </a:gradFill>
-      </a:fillStyleLst>
-      <a:lnStyleLst>
-        <a:ln w="9525" cap="flat" cmpd="sng" algn="ctr">
-          <a:solidFill>
-            <a:schemeClr val="phClr">
-              <a:shade val="95000"/>
-              <a:satMod val="105000"/>
-            </a:schemeClr>
-          </a:solidFill>
-          <a:prstDash val="solid"/>
-        </a:ln>
-        <a:ln w="25400" cap="flat" cmpd="sng" algn="ctr">
-          <a:solidFill>
-            <a:schemeClr val="phClr"/>
-          </a:solidFill>
-          <a:prstDash val="solid"/>
-        </a:ln>
-        <a:ln w="38100" cap="flat" cmpd="sng" algn="ctr">
-          <a:solidFill>
-            <a:schemeClr val="phClr"/>
-          </a:solidFill>
-          <a:prstDash val="solid"/>
-        </a:ln>
-      </a:lnStyleLst>
-      <a:effectStyleLst>
-        <a:effectStyle>
-          <a:effectLst>
-            <a:outerShdw blurRad="40000" dist="20000" dir="5400000" rotWithShape="0">
-              <a:srgbClr val="000000">
-                <a:alpha val="38000"/>
-              </a:srgbClr>
-            </a:outerShdw>
-          </a:effectLst>
-        </a:effectStyle>
-        <a:effectStyle>
-          <a:effectLst>
-            <a:outerShdw blurRad="40000" dist="23000" dir="5400000" rotWithShape="0">
-              <a:srgbClr val="000000">
-                <a:alpha val="35000"/>
-              </a:srgbClr>
-            </a:outerShdw>
-          </a:effectLst>
-        </a:effectStyle>
-        <a:effectStyle>
-          <a:effectLst>
-            <a:outerShdw blurRad="40000" dist="23000" dir="5400000" rotWithShape="0">
-              <a:srgbClr val="000000">
-                <a:alpha val="35000"/>
-              </a:srgbClr>
-            </a:outerShdw>
-          </a:effectLst>
-          <a:scene3d>
-            <a:camera prst="orthographicFront">
-              <a:rot lat="0" lon="0" rev="0"/>
-            </a:camera>
-            <a:lightRig rig="threePt" dir="t">
-              <a:rot lat="0" lon="0" rev="1200000"/>
-            </a:lightRig>
-          </a:scene3d>
-          <a:sp3d>
-            <a:bevelT w="63500" h="25400"/>
-          </a:sp3d>
-        </a:effectStyle>
-      </a:effectStyleLst>
-      <a:bgFillStyleLst>
-        <a:solidFill>
-          <a:schemeClr val="phClr"/>
-        </a:solidFill>
-        <a:gradFill rotWithShape="1">
-          <a:gsLst>
-            <a:gs pos="0">
-              <a:schemeClr val="phClr">
-                <a:tint val="40000"/>
-                <a:satMod val="350000"/>
-              </a:schemeClr>
-            </a:gs>
-            <a:gs pos="40000">
-              <a:schemeClr val="phClr">
-                <a:tint val="45000"/>
-                <a:shade val="99000"/>
-                <a:satMod val="350000"/>
-              </a:schemeClr>
-            </a:gs>
-            <a:gs pos="100000">
-              <a:schemeClr val="phClr">
-                <a:shade val="20000"/>
-                <a:satMod val="255000"/>
-              </a:schemeClr>
-            </a:gs>
-          </a:gsLst>
-          <a:path path="circle">
-            <a:fillToRect l="50000" t="-80000" r="50000" b="180000"/>
-          </a:path>
-        </a:gradFill>
-        <a:gradFill rotWithShape="1">
-          <a:gsLst>
-            <a:gs pos="0">
-              <a:schemeClr val="phClr">
-                <a:tint val="80000"/>
-                <a:satMod val="300000"/>
-              </a:schemeClr>
-            </a:gs>
-            <a:gs pos="100000">
-              <a:schemeClr val="phClr">
-                <a:shade val="30000"/>
-                <a:satMod val="200000"/>
-              </a:schemeClr>
-            </a:gs>
-          </a:gsLst>
-          <a:path path="circle">
-            <a:fillToRect l="50000" t="50000" r="50000" b="50000"/>
-          </a:path>
-        </a:gradFill>
-      </a:bgFillStyleLst>
-    </a:fmtScheme>
-  </a:themeElements>
-</a:theme>
 </file>